--- a/Presentation/mkarta.uz Technical requirement presentation — rus.pptx
+++ b/Presentation/mkarta.uz Technical requirement presentation — rus.pptx
@@ -5,8 +5,17 @@
     <p:sldMasterId id="2147483648" r:id="rId1"/>
   </p:sldMasterIdLst>
   <p:sldIdLst>
-    <p:sldId id="256" r:id="rId2"/>
-    <p:sldId id="257" r:id="rId3"/>
+    <p:sldId id="258" r:id="rId2"/>
+    <p:sldId id="259" r:id="rId3"/>
+    <p:sldId id="266" r:id="rId4"/>
+    <p:sldId id="267" r:id="rId5"/>
+    <p:sldId id="261" r:id="rId6"/>
+    <p:sldId id="262" r:id="rId7"/>
+    <p:sldId id="268" r:id="rId8"/>
+    <p:sldId id="263" r:id="rId9"/>
+    <p:sldId id="264" r:id="rId10"/>
+    <p:sldId id="260" r:id="rId11"/>
+    <p:sldId id="265" r:id="rId12"/>
   </p:sldIdLst>
   <p:sldSz cx="12192000" cy="6858000"/>
   <p:notesSz cx="6858000" cy="9144000"/>
@@ -105,6 +114,11 @@
       </a:defRPr>
     </a:lvl9pPr>
   </p:defaultTextStyle>
+  <p:extLst>
+    <p:ext uri="{EFAFB233-063F-42B5-8137-9DF3F51BA10A}">
+      <p15:sldGuideLst xmlns:p15="http://schemas.microsoft.com/office/powerpoint/2012/main"/>
+    </p:ext>
+  </p:extLst>
 </p:presentation>
 </file>
 
@@ -255,9 +269,9 @@
           <a:p>
             <a:fld id="{055FAE5C-355E-4A36-84AB-9279FAA04DDD}" type="datetimeFigureOut">
               <a:rPr lang="ru-RU" smtClean="0"/>
-              <a:t>19.02.2020</a:t>
+              <a:t>20.02.2020</a:t>
             </a:fld>
-            <a:endParaRPr lang="ru-RU"/>
+            <a:endParaRPr lang="ru-RU" dirty="0"/>
           </a:p>
         </p:txBody>
       </p:sp>
@@ -282,7 +296,7 @@
           <a:bodyPr/>
           <a:lstStyle/>
           <a:p>
-            <a:endParaRPr lang="ru-RU"/>
+            <a:endParaRPr lang="ru-RU" dirty="0"/>
           </a:p>
         </p:txBody>
       </p:sp>
@@ -311,7 +325,7 @@
               <a:rPr lang="ru-RU" smtClean="0"/>
               <a:t>‹#›</a:t>
             </a:fld>
-            <a:endParaRPr lang="ru-RU"/>
+            <a:endParaRPr lang="ru-RU" dirty="0"/>
           </a:p>
         </p:txBody>
       </p:sp>
@@ -453,9 +467,9 @@
           <a:p>
             <a:fld id="{055FAE5C-355E-4A36-84AB-9279FAA04DDD}" type="datetimeFigureOut">
               <a:rPr lang="ru-RU" smtClean="0"/>
-              <a:t>19.02.2020</a:t>
+              <a:t>20.02.2020</a:t>
             </a:fld>
-            <a:endParaRPr lang="ru-RU"/>
+            <a:endParaRPr lang="ru-RU" dirty="0"/>
           </a:p>
         </p:txBody>
       </p:sp>
@@ -480,7 +494,7 @@
           <a:bodyPr/>
           <a:lstStyle/>
           <a:p>
-            <a:endParaRPr lang="ru-RU"/>
+            <a:endParaRPr lang="ru-RU" dirty="0"/>
           </a:p>
         </p:txBody>
       </p:sp>
@@ -509,7 +523,7 @@
               <a:rPr lang="ru-RU" smtClean="0"/>
               <a:t>‹#›</a:t>
             </a:fld>
-            <a:endParaRPr lang="ru-RU"/>
+            <a:endParaRPr lang="ru-RU" dirty="0"/>
           </a:p>
         </p:txBody>
       </p:sp>
@@ -661,9 +675,9 @@
           <a:p>
             <a:fld id="{055FAE5C-355E-4A36-84AB-9279FAA04DDD}" type="datetimeFigureOut">
               <a:rPr lang="ru-RU" smtClean="0"/>
-              <a:t>19.02.2020</a:t>
+              <a:t>20.02.2020</a:t>
             </a:fld>
-            <a:endParaRPr lang="ru-RU"/>
+            <a:endParaRPr lang="ru-RU" dirty="0"/>
           </a:p>
         </p:txBody>
       </p:sp>
@@ -688,7 +702,7 @@
           <a:bodyPr/>
           <a:lstStyle/>
           <a:p>
-            <a:endParaRPr lang="ru-RU"/>
+            <a:endParaRPr lang="ru-RU" dirty="0"/>
           </a:p>
         </p:txBody>
       </p:sp>
@@ -717,7 +731,7 @@
               <a:rPr lang="ru-RU" smtClean="0"/>
               <a:t>‹#›</a:t>
             </a:fld>
-            <a:endParaRPr lang="ru-RU"/>
+            <a:endParaRPr lang="ru-RU" dirty="0"/>
           </a:p>
         </p:txBody>
       </p:sp>
@@ -859,9 +873,9 @@
           <a:p>
             <a:fld id="{055FAE5C-355E-4A36-84AB-9279FAA04DDD}" type="datetimeFigureOut">
               <a:rPr lang="ru-RU" smtClean="0"/>
-              <a:t>19.02.2020</a:t>
+              <a:t>20.02.2020</a:t>
             </a:fld>
-            <a:endParaRPr lang="ru-RU"/>
+            <a:endParaRPr lang="ru-RU" dirty="0"/>
           </a:p>
         </p:txBody>
       </p:sp>
@@ -886,7 +900,7 @@
           <a:bodyPr/>
           <a:lstStyle/>
           <a:p>
-            <a:endParaRPr lang="ru-RU"/>
+            <a:endParaRPr lang="ru-RU" dirty="0"/>
           </a:p>
         </p:txBody>
       </p:sp>
@@ -915,7 +929,7 @@
               <a:rPr lang="ru-RU" smtClean="0"/>
               <a:t>‹#›</a:t>
             </a:fld>
-            <a:endParaRPr lang="ru-RU"/>
+            <a:endParaRPr lang="ru-RU" dirty="0"/>
           </a:p>
         </p:txBody>
       </p:sp>
@@ -1134,9 +1148,9 @@
           <a:p>
             <a:fld id="{055FAE5C-355E-4A36-84AB-9279FAA04DDD}" type="datetimeFigureOut">
               <a:rPr lang="ru-RU" smtClean="0"/>
-              <a:t>19.02.2020</a:t>
+              <a:t>20.02.2020</a:t>
             </a:fld>
-            <a:endParaRPr lang="ru-RU"/>
+            <a:endParaRPr lang="ru-RU" dirty="0"/>
           </a:p>
         </p:txBody>
       </p:sp>
@@ -1161,7 +1175,7 @@
           <a:bodyPr/>
           <a:lstStyle/>
           <a:p>
-            <a:endParaRPr lang="ru-RU"/>
+            <a:endParaRPr lang="ru-RU" dirty="0"/>
           </a:p>
         </p:txBody>
       </p:sp>
@@ -1190,7 +1204,7 @@
               <a:rPr lang="ru-RU" smtClean="0"/>
               <a:t>‹#›</a:t>
             </a:fld>
-            <a:endParaRPr lang="ru-RU"/>
+            <a:endParaRPr lang="ru-RU" dirty="0"/>
           </a:p>
         </p:txBody>
       </p:sp>
@@ -1399,9 +1413,9 @@
           <a:p>
             <a:fld id="{055FAE5C-355E-4A36-84AB-9279FAA04DDD}" type="datetimeFigureOut">
               <a:rPr lang="ru-RU" smtClean="0"/>
-              <a:t>19.02.2020</a:t>
+              <a:t>20.02.2020</a:t>
             </a:fld>
-            <a:endParaRPr lang="ru-RU"/>
+            <a:endParaRPr lang="ru-RU" dirty="0"/>
           </a:p>
         </p:txBody>
       </p:sp>
@@ -1426,7 +1440,7 @@
           <a:bodyPr/>
           <a:lstStyle/>
           <a:p>
-            <a:endParaRPr lang="ru-RU"/>
+            <a:endParaRPr lang="ru-RU" dirty="0"/>
           </a:p>
         </p:txBody>
       </p:sp>
@@ -1455,7 +1469,7 @@
               <a:rPr lang="ru-RU" smtClean="0"/>
               <a:t>‹#›</a:t>
             </a:fld>
-            <a:endParaRPr lang="ru-RU"/>
+            <a:endParaRPr lang="ru-RU" dirty="0"/>
           </a:p>
         </p:txBody>
       </p:sp>
@@ -1811,9 +1825,9 @@
           <a:p>
             <a:fld id="{055FAE5C-355E-4A36-84AB-9279FAA04DDD}" type="datetimeFigureOut">
               <a:rPr lang="ru-RU" smtClean="0"/>
-              <a:t>19.02.2020</a:t>
+              <a:t>20.02.2020</a:t>
             </a:fld>
-            <a:endParaRPr lang="ru-RU"/>
+            <a:endParaRPr lang="ru-RU" dirty="0"/>
           </a:p>
         </p:txBody>
       </p:sp>
@@ -1838,7 +1852,7 @@
           <a:bodyPr/>
           <a:lstStyle/>
           <a:p>
-            <a:endParaRPr lang="ru-RU"/>
+            <a:endParaRPr lang="ru-RU" dirty="0"/>
           </a:p>
         </p:txBody>
       </p:sp>
@@ -1867,7 +1881,7 @@
               <a:rPr lang="ru-RU" smtClean="0"/>
               <a:t>‹#›</a:t>
             </a:fld>
-            <a:endParaRPr lang="ru-RU"/>
+            <a:endParaRPr lang="ru-RU" dirty="0"/>
           </a:p>
         </p:txBody>
       </p:sp>
@@ -1952,9 +1966,9 @@
           <a:p>
             <a:fld id="{055FAE5C-355E-4A36-84AB-9279FAA04DDD}" type="datetimeFigureOut">
               <a:rPr lang="ru-RU" smtClean="0"/>
-              <a:t>19.02.2020</a:t>
+              <a:t>20.02.2020</a:t>
             </a:fld>
-            <a:endParaRPr lang="ru-RU"/>
+            <a:endParaRPr lang="ru-RU" dirty="0"/>
           </a:p>
         </p:txBody>
       </p:sp>
@@ -1979,7 +1993,7 @@
           <a:bodyPr/>
           <a:lstStyle/>
           <a:p>
-            <a:endParaRPr lang="ru-RU"/>
+            <a:endParaRPr lang="ru-RU" dirty="0"/>
           </a:p>
         </p:txBody>
       </p:sp>
@@ -2008,7 +2022,7 @@
               <a:rPr lang="ru-RU" smtClean="0"/>
               <a:t>‹#›</a:t>
             </a:fld>
-            <a:endParaRPr lang="ru-RU"/>
+            <a:endParaRPr lang="ru-RU" dirty="0"/>
           </a:p>
         </p:txBody>
       </p:sp>
@@ -2065,9 +2079,9 @@
           <a:p>
             <a:fld id="{055FAE5C-355E-4A36-84AB-9279FAA04DDD}" type="datetimeFigureOut">
               <a:rPr lang="ru-RU" smtClean="0"/>
-              <a:t>19.02.2020</a:t>
+              <a:t>20.02.2020</a:t>
             </a:fld>
-            <a:endParaRPr lang="ru-RU"/>
+            <a:endParaRPr lang="ru-RU" dirty="0"/>
           </a:p>
         </p:txBody>
       </p:sp>
@@ -2092,7 +2106,7 @@
           <a:bodyPr/>
           <a:lstStyle/>
           <a:p>
-            <a:endParaRPr lang="ru-RU"/>
+            <a:endParaRPr lang="ru-RU" dirty="0"/>
           </a:p>
         </p:txBody>
       </p:sp>
@@ -2121,7 +2135,7 @@
               <a:rPr lang="ru-RU" smtClean="0"/>
               <a:t>‹#›</a:t>
             </a:fld>
-            <a:endParaRPr lang="ru-RU"/>
+            <a:endParaRPr lang="ru-RU" dirty="0"/>
           </a:p>
         </p:txBody>
       </p:sp>
@@ -2376,9 +2390,9 @@
           <a:p>
             <a:fld id="{055FAE5C-355E-4A36-84AB-9279FAA04DDD}" type="datetimeFigureOut">
               <a:rPr lang="ru-RU" smtClean="0"/>
-              <a:t>19.02.2020</a:t>
+              <a:t>20.02.2020</a:t>
             </a:fld>
-            <a:endParaRPr lang="ru-RU"/>
+            <a:endParaRPr lang="ru-RU" dirty="0"/>
           </a:p>
         </p:txBody>
       </p:sp>
@@ -2403,7 +2417,7 @@
           <a:bodyPr/>
           <a:lstStyle/>
           <a:p>
-            <a:endParaRPr lang="ru-RU"/>
+            <a:endParaRPr lang="ru-RU" dirty="0"/>
           </a:p>
         </p:txBody>
       </p:sp>
@@ -2432,7 +2446,7 @@
               <a:rPr lang="ru-RU" smtClean="0"/>
               <a:t>‹#›</a:t>
             </a:fld>
-            <a:endParaRPr lang="ru-RU"/>
+            <a:endParaRPr lang="ru-RU" dirty="0"/>
           </a:p>
         </p:txBody>
       </p:sp>
@@ -2566,7 +2580,7 @@
             </a:lvl9pPr>
           </a:lstStyle>
           <a:p>
-            <a:endParaRPr lang="ru-RU"/>
+            <a:endParaRPr lang="ru-RU" dirty="0"/>
           </a:p>
         </p:txBody>
       </p:sp>
@@ -2664,9 +2678,9 @@
           <a:p>
             <a:fld id="{055FAE5C-355E-4A36-84AB-9279FAA04DDD}" type="datetimeFigureOut">
               <a:rPr lang="ru-RU" smtClean="0"/>
-              <a:t>19.02.2020</a:t>
+              <a:t>20.02.2020</a:t>
             </a:fld>
-            <a:endParaRPr lang="ru-RU"/>
+            <a:endParaRPr lang="ru-RU" dirty="0"/>
           </a:p>
         </p:txBody>
       </p:sp>
@@ -2691,7 +2705,7 @@
           <a:bodyPr/>
           <a:lstStyle/>
           <a:p>
-            <a:endParaRPr lang="ru-RU"/>
+            <a:endParaRPr lang="ru-RU" dirty="0"/>
           </a:p>
         </p:txBody>
       </p:sp>
@@ -2720,7 +2734,7 @@
               <a:rPr lang="ru-RU" smtClean="0"/>
               <a:t>‹#›</a:t>
             </a:fld>
-            <a:endParaRPr lang="ru-RU"/>
+            <a:endParaRPr lang="ru-RU" dirty="0"/>
           </a:p>
         </p:txBody>
       </p:sp>
@@ -2905,9 +2919,9 @@
           <a:p>
             <a:fld id="{055FAE5C-355E-4A36-84AB-9279FAA04DDD}" type="datetimeFigureOut">
               <a:rPr lang="ru-RU" smtClean="0"/>
-              <a:t>19.02.2020</a:t>
+              <a:t>20.02.2020</a:t>
             </a:fld>
-            <a:endParaRPr lang="ru-RU"/>
+            <a:endParaRPr lang="ru-RU" dirty="0"/>
           </a:p>
         </p:txBody>
       </p:sp>
@@ -2950,7 +2964,7 @@
             </a:lvl1pPr>
           </a:lstStyle>
           <a:p>
-            <a:endParaRPr lang="ru-RU"/>
+            <a:endParaRPr lang="ru-RU" dirty="0"/>
           </a:p>
         </p:txBody>
       </p:sp>
@@ -2997,7 +3011,7 @@
               <a:rPr lang="ru-RU" smtClean="0"/>
               <a:t>‹#›</a:t>
             </a:fld>
-            <a:endParaRPr lang="ru-RU"/>
+            <a:endParaRPr lang="ru-RU" dirty="0"/>
           </a:p>
         </p:txBody>
       </p:sp>
@@ -3338,7 +3352,12 @@
             <p:ph type="ctrTitle"/>
           </p:nvPr>
         </p:nvSpPr>
-        <p:spPr/>
+        <p:spPr>
+          <a:xfrm>
+            <a:off x="1524000" y="628721"/>
+            <a:ext cx="9144000" cy="971479"/>
+          </a:xfrm>
+        </p:spPr>
         <p:txBody>
           <a:bodyPr/>
           <a:lstStyle/>
@@ -3367,23 +3386,561 @@
             <p:ph type="subTitle" idx="1"/>
           </p:nvPr>
         </p:nvSpPr>
-        <p:spPr/>
+        <p:spPr>
+          <a:xfrm>
+            <a:off x="1524000" y="1638798"/>
+            <a:ext cx="9144000" cy="490253"/>
+          </a:xfrm>
+        </p:spPr>
         <p:txBody>
           <a:bodyPr/>
           <a:lstStyle/>
           <a:p>
             <a:r>
-              <a:rPr lang="en-US" dirty="0"/>
-              <a:t>Technical requirement</a:t>
+              <a:rPr lang="uz-Cyrl-UZ" dirty="0"/>
+              <a:t>техническое задание</a:t>
             </a:r>
             <a:endParaRPr lang="ru-RU" dirty="0"/>
           </a:p>
         </p:txBody>
       </p:sp>
+      <p:pic>
+        <p:nvPicPr>
+          <p:cNvPr id="5" name="image3.jpg">
+            <a:extLst>
+              <a:ext uri="{FF2B5EF4-FFF2-40B4-BE49-F238E27FC236}">
+                <a16:creationId xmlns:a16="http://schemas.microsoft.com/office/drawing/2014/main" id="{71D5E07B-0BF0-4495-8476-23AE9413D016}"/>
+              </a:ext>
+            </a:extLst>
+          </p:cNvPr>
+          <p:cNvPicPr/>
+          <p:nvPr/>
+        </p:nvPicPr>
+        <p:blipFill>
+          <a:blip r:embed="rId2"/>
+          <a:srcRect/>
+          <a:stretch>
+            <a:fillRect/>
+          </a:stretch>
+        </p:blipFill>
+        <p:spPr>
+          <a:xfrm>
+            <a:off x="2895031" y="2216151"/>
+            <a:ext cx="6401937" cy="4496274"/>
+          </a:xfrm>
+          <a:prstGeom prst="rect">
+            <a:avLst/>
+          </a:prstGeom>
+          <a:ln/>
+        </p:spPr>
+      </p:pic>
     </p:spTree>
     <p:extLst>
       <p:ext uri="{BB962C8B-B14F-4D97-AF65-F5344CB8AC3E}">
-        <p14:creationId xmlns:p14="http://schemas.microsoft.com/office/powerpoint/2010/main" val="656957483"/>
+        <p14:creationId xmlns:p14="http://schemas.microsoft.com/office/powerpoint/2010/main" val="1615180134"/>
+      </p:ext>
+    </p:extLst>
+  </p:cSld>
+  <p:clrMapOvr>
+    <a:masterClrMapping/>
+  </p:clrMapOvr>
+</p:sld>
+</file>
+
+<file path=ppt/slides/slide10.xml><?xml version="1.0" encoding="utf-8"?>
+<p:sld xmlns:a="http://schemas.openxmlformats.org/drawingml/2006/main" xmlns:r="http://schemas.openxmlformats.org/officeDocument/2006/relationships" xmlns:p="http://schemas.openxmlformats.org/presentationml/2006/main">
+  <p:cSld>
+    <p:spTree>
+      <p:nvGrpSpPr>
+        <p:cNvPr id="1" name=""/>
+        <p:cNvGrpSpPr/>
+        <p:nvPr/>
+      </p:nvGrpSpPr>
+      <p:grpSpPr>
+        <a:xfrm>
+          <a:off x="0" y="0"/>
+          <a:ext cx="0" cy="0"/>
+          <a:chOff x="0" y="0"/>
+          <a:chExt cx="0" cy="0"/>
+        </a:xfrm>
+      </p:grpSpPr>
+      <p:sp>
+        <p:nvSpPr>
+          <p:cNvPr id="2" name="Заголовок 1">
+            <a:extLst>
+              <a:ext uri="{FF2B5EF4-FFF2-40B4-BE49-F238E27FC236}">
+                <a16:creationId xmlns:a16="http://schemas.microsoft.com/office/drawing/2014/main" id="{E8EC30A4-2C32-4B9E-8F80-1A4ED40219EF}"/>
+              </a:ext>
+            </a:extLst>
+          </p:cNvPr>
+          <p:cNvSpPr>
+            <a:spLocks noGrp="1"/>
+          </p:cNvSpPr>
+          <p:nvPr>
+            <p:ph type="title"/>
+          </p:nvPr>
+        </p:nvSpPr>
+        <p:spPr>
+          <a:xfrm>
+            <a:off x="838200" y="365126"/>
+            <a:ext cx="10515600" cy="590218"/>
+          </a:xfrm>
+        </p:spPr>
+        <p:txBody>
+          <a:bodyPr>
+            <a:normAutofit fontScale="90000"/>
+          </a:bodyPr>
+          <a:lstStyle/>
+          <a:p>
+            <a:pPr algn="ctr"/>
+            <a:r>
+              <a:rPr lang="uz-Cyrl-UZ" dirty="0"/>
+              <a:t>Список пользователей сайта</a:t>
+            </a:r>
+            <a:endParaRPr lang="ru-RU" dirty="0"/>
+          </a:p>
+        </p:txBody>
+      </p:sp>
+      <p:graphicFrame>
+        <p:nvGraphicFramePr>
+          <p:cNvPr id="4" name="Таблица 4">
+            <a:extLst>
+              <a:ext uri="{FF2B5EF4-FFF2-40B4-BE49-F238E27FC236}">
+                <a16:creationId xmlns:a16="http://schemas.microsoft.com/office/drawing/2014/main" id="{DA7BEEFE-1C71-4734-8067-0DA2535B221C}"/>
+              </a:ext>
+            </a:extLst>
+          </p:cNvPr>
+          <p:cNvGraphicFramePr>
+            <a:graphicFrameLocks noGrp="1"/>
+          </p:cNvGraphicFramePr>
+          <p:nvPr>
+            <p:extLst>
+              <p:ext uri="{D42A27DB-BD31-4B8C-83A1-F6EECF244321}">
+                <p14:modId xmlns:p14="http://schemas.microsoft.com/office/powerpoint/2010/main" val="521027810"/>
+              </p:ext>
+            </p:extLst>
+          </p:nvPr>
+        </p:nvGraphicFramePr>
+        <p:xfrm>
+          <a:off x="2553648" y="1719618"/>
+          <a:ext cx="7084704" cy="1097280"/>
+        </p:xfrm>
+        <a:graphic>
+          <a:graphicData uri="http://schemas.openxmlformats.org/drawingml/2006/table">
+            <a:tbl>
+              <a:tblPr firstRow="1" bandRow="1">
+                <a:tableStyleId>{5C22544A-7EE6-4342-B048-85BDC9FD1C3A}</a:tableStyleId>
+              </a:tblPr>
+              <a:tblGrid>
+                <a:gridCol w="2361568">
+                  <a:extLst>
+                    <a:ext uri="{9D8B030D-6E8A-4147-A177-3AD203B41FA5}">
+                      <a16:colId xmlns:a16="http://schemas.microsoft.com/office/drawing/2014/main" val="2671108694"/>
+                    </a:ext>
+                  </a:extLst>
+                </a:gridCol>
+                <a:gridCol w="2361568">
+                  <a:extLst>
+                    <a:ext uri="{9D8B030D-6E8A-4147-A177-3AD203B41FA5}">
+                      <a16:colId xmlns:a16="http://schemas.microsoft.com/office/drawing/2014/main" val="3254547712"/>
+                    </a:ext>
+                  </a:extLst>
+                </a:gridCol>
+                <a:gridCol w="2361568">
+                  <a:extLst>
+                    <a:ext uri="{9D8B030D-6E8A-4147-A177-3AD203B41FA5}">
+                      <a16:colId xmlns:a16="http://schemas.microsoft.com/office/drawing/2014/main" val="2843107808"/>
+                    </a:ext>
+                  </a:extLst>
+                </a:gridCol>
+              </a:tblGrid>
+              <a:tr h="295109">
+                <a:tc>
+                  <a:txBody>
+                    <a:bodyPr/>
+                    <a:lstStyle/>
+                    <a:p>
+                      <a:r>
+                        <a:rPr lang="uz-Cyrl-UZ" dirty="0"/>
+                        <a:t>Логин</a:t>
+                      </a:r>
+                      <a:endParaRPr lang="ru-RU" dirty="0"/>
+                    </a:p>
+                  </a:txBody>
+                  <a:tcPr/>
+                </a:tc>
+                <a:tc>
+                  <a:txBody>
+                    <a:bodyPr/>
+                    <a:lstStyle/>
+                    <a:p>
+                      <a:r>
+                        <a:rPr lang="en-US" dirty="0"/>
+                        <a:t>email</a:t>
+                      </a:r>
+                      <a:endParaRPr lang="ru-RU" dirty="0"/>
+                    </a:p>
+                  </a:txBody>
+                  <a:tcPr/>
+                </a:tc>
+                <a:tc>
+                  <a:txBody>
+                    <a:bodyPr/>
+                    <a:lstStyle/>
+                    <a:p>
+                      <a:r>
+                        <a:rPr lang="uz-Cyrl-UZ" dirty="0"/>
+                        <a:t>Год рождения</a:t>
+                      </a:r>
+                      <a:endParaRPr lang="ru-RU" dirty="0"/>
+                    </a:p>
+                  </a:txBody>
+                  <a:tcPr/>
+                </a:tc>
+                <a:extLst>
+                  <a:ext uri="{0D108BD9-81ED-4DB2-BD59-A6C34878D82A}">
+                    <a16:rowId xmlns:a16="http://schemas.microsoft.com/office/drawing/2014/main" val="3539756463"/>
+                  </a:ext>
+                </a:extLst>
+              </a:tr>
+              <a:tr h="355158">
+                <a:tc>
+                  <a:txBody>
+                    <a:bodyPr/>
+                    <a:lstStyle/>
+                    <a:p>
+                      <a:r>
+                        <a:rPr lang="en-US" dirty="0"/>
+                        <a:t>Ivanov</a:t>
+                      </a:r>
+                      <a:endParaRPr lang="ru-RU" dirty="0"/>
+                    </a:p>
+                  </a:txBody>
+                  <a:tcPr/>
+                </a:tc>
+                <a:tc>
+                  <a:txBody>
+                    <a:bodyPr/>
+                    <a:lstStyle/>
+                    <a:p>
+                      <a:r>
+                        <a:rPr lang="en-US" dirty="0">
+                          <a:hlinkClick r:id="rId2"/>
+                        </a:rPr>
+                        <a:t>Ivanov@gmail.com</a:t>
+                      </a:r>
+                      <a:endParaRPr lang="ru-RU" dirty="0"/>
+                    </a:p>
+                  </a:txBody>
+                  <a:tcPr/>
+                </a:tc>
+                <a:tc>
+                  <a:txBody>
+                    <a:bodyPr/>
+                    <a:lstStyle/>
+                    <a:p>
+                      <a:r>
+                        <a:rPr lang="en-US" dirty="0"/>
+                        <a:t>1980</a:t>
+                      </a:r>
+                      <a:endParaRPr lang="ru-RU" dirty="0"/>
+                    </a:p>
+                  </a:txBody>
+                  <a:tcPr/>
+                </a:tc>
+                <a:extLst>
+                  <a:ext uri="{0D108BD9-81ED-4DB2-BD59-A6C34878D82A}">
+                    <a16:rowId xmlns:a16="http://schemas.microsoft.com/office/drawing/2014/main" val="1594175319"/>
+                  </a:ext>
+                </a:extLst>
+              </a:tr>
+              <a:tr h="355158">
+                <a:tc>
+                  <a:txBody>
+                    <a:bodyPr/>
+                    <a:lstStyle/>
+                    <a:p>
+                      <a:r>
+                        <a:rPr lang="en-US" dirty="0"/>
+                        <a:t>James</a:t>
+                      </a:r>
+                      <a:endParaRPr lang="ru-RU" dirty="0"/>
+                    </a:p>
+                  </a:txBody>
+                  <a:tcPr/>
+                </a:tc>
+                <a:tc>
+                  <a:txBody>
+                    <a:bodyPr/>
+                    <a:lstStyle/>
+                    <a:p>
+                      <a:r>
+                        <a:rPr lang="en-US" dirty="0">
+                          <a:hlinkClick r:id="rId3"/>
+                        </a:rPr>
+                        <a:t>james@gmail.com</a:t>
+                      </a:r>
+                      <a:endParaRPr lang="ru-RU" dirty="0"/>
+                    </a:p>
+                  </a:txBody>
+                  <a:tcPr/>
+                </a:tc>
+                <a:tc>
+                  <a:txBody>
+                    <a:bodyPr/>
+                    <a:lstStyle/>
+                    <a:p>
+                      <a:r>
+                        <a:rPr lang="en-US" dirty="0"/>
+                        <a:t>1965</a:t>
+                      </a:r>
+                      <a:endParaRPr lang="ru-RU" dirty="0"/>
+                    </a:p>
+                  </a:txBody>
+                  <a:tcPr/>
+                </a:tc>
+                <a:extLst>
+                  <a:ext uri="{0D108BD9-81ED-4DB2-BD59-A6C34878D82A}">
+                    <a16:rowId xmlns:a16="http://schemas.microsoft.com/office/drawing/2014/main" val="251359142"/>
+                  </a:ext>
+                </a:extLst>
+              </a:tr>
+            </a:tbl>
+          </a:graphicData>
+        </a:graphic>
+      </p:graphicFrame>
+      <p:sp>
+        <p:nvSpPr>
+          <p:cNvPr id="6" name="Прямоугольник: скругленные углы 5">
+            <a:extLst>
+              <a:ext uri="{FF2B5EF4-FFF2-40B4-BE49-F238E27FC236}">
+                <a16:creationId xmlns:a16="http://schemas.microsoft.com/office/drawing/2014/main" id="{855C8A97-CB36-4DC0-AE96-1BCCBFAAE0B1}"/>
+              </a:ext>
+            </a:extLst>
+          </p:cNvPr>
+          <p:cNvSpPr/>
+          <p:nvPr/>
+        </p:nvSpPr>
+        <p:spPr>
+          <a:xfrm>
+            <a:off x="2947916" y="1296538"/>
+            <a:ext cx="2060812" cy="286603"/>
+          </a:xfrm>
+          <a:prstGeom prst="roundRect">
+            <a:avLst/>
+          </a:prstGeom>
+        </p:spPr>
+        <p:style>
+          <a:lnRef idx="2">
+            <a:schemeClr val="accent6"/>
+          </a:lnRef>
+          <a:fillRef idx="1">
+            <a:schemeClr val="lt1"/>
+          </a:fillRef>
+          <a:effectRef idx="0">
+            <a:schemeClr val="accent6"/>
+          </a:effectRef>
+          <a:fontRef idx="minor">
+            <a:schemeClr val="dk1"/>
+          </a:fontRef>
+        </p:style>
+        <p:txBody>
+          <a:bodyPr rtlCol="0" anchor="ctr"/>
+          <a:lstStyle/>
+          <a:p>
+            <a:pPr algn="ctr"/>
+            <a:endParaRPr lang="ru-RU" dirty="0"/>
+          </a:p>
+        </p:txBody>
+      </p:sp>
+      <p:sp>
+        <p:nvSpPr>
+          <p:cNvPr id="7" name="Прямоугольник: скругленные углы 6">
+            <a:extLst>
+              <a:ext uri="{FF2B5EF4-FFF2-40B4-BE49-F238E27FC236}">
+                <a16:creationId xmlns:a16="http://schemas.microsoft.com/office/drawing/2014/main" id="{1108B54E-5233-4E24-96DE-A0269DE5CE8D}"/>
+              </a:ext>
+            </a:extLst>
+          </p:cNvPr>
+          <p:cNvSpPr/>
+          <p:nvPr/>
+        </p:nvSpPr>
+        <p:spPr>
+          <a:xfrm>
+            <a:off x="5186149" y="1296538"/>
+            <a:ext cx="1473958" cy="286603"/>
+          </a:xfrm>
+          <a:prstGeom prst="roundRect">
+            <a:avLst/>
+          </a:prstGeom>
+        </p:spPr>
+        <p:style>
+          <a:lnRef idx="2">
+            <a:schemeClr val="dk1">
+              <a:shade val="50000"/>
+            </a:schemeClr>
+          </a:lnRef>
+          <a:fillRef idx="1">
+            <a:schemeClr val="dk1"/>
+          </a:fillRef>
+          <a:effectRef idx="0">
+            <a:schemeClr val="dk1"/>
+          </a:effectRef>
+          <a:fontRef idx="minor">
+            <a:schemeClr val="lt1"/>
+          </a:fontRef>
+        </p:style>
+        <p:txBody>
+          <a:bodyPr rtlCol="0" anchor="ctr"/>
+          <a:lstStyle/>
+          <a:p>
+            <a:pPr algn="ctr"/>
+            <a:r>
+              <a:rPr lang="uz-Cyrl-UZ" dirty="0"/>
+              <a:t>Поиск</a:t>
+            </a:r>
+            <a:endParaRPr lang="ru-RU" dirty="0"/>
+          </a:p>
+        </p:txBody>
+      </p:sp>
+      <p:sp>
+        <p:nvSpPr>
+          <p:cNvPr id="10" name="TextBox 9">
+            <a:extLst>
+              <a:ext uri="{FF2B5EF4-FFF2-40B4-BE49-F238E27FC236}">
+                <a16:creationId xmlns:a16="http://schemas.microsoft.com/office/drawing/2014/main" id="{7E149485-00E5-443E-A46D-D969FF477346}"/>
+              </a:ext>
+            </a:extLst>
+          </p:cNvPr>
+          <p:cNvSpPr txBox="1"/>
+          <p:nvPr/>
+        </p:nvSpPr>
+        <p:spPr>
+          <a:xfrm>
+            <a:off x="1719618" y="3152632"/>
+            <a:ext cx="8952931" cy="369332"/>
+          </a:xfrm>
+          <a:prstGeom prst="rect">
+            <a:avLst/>
+          </a:prstGeom>
+          <a:noFill/>
+        </p:spPr>
+        <p:txBody>
+          <a:bodyPr wrap="square" rtlCol="0">
+            <a:spAutoFit/>
+          </a:bodyPr>
+          <a:lstStyle/>
+          <a:p>
+            <a:r>
+              <a:rPr lang="ru-RU" dirty="0"/>
+              <a:t>Эта таблица видна только врачам, и врачи найдут нужного пользователя.</a:t>
+            </a:r>
+          </a:p>
+        </p:txBody>
+      </p:sp>
+    </p:spTree>
+    <p:extLst>
+      <p:ext uri="{BB962C8B-B14F-4D97-AF65-F5344CB8AC3E}">
+        <p14:creationId xmlns:p14="http://schemas.microsoft.com/office/powerpoint/2010/main" val="3847459169"/>
+      </p:ext>
+    </p:extLst>
+  </p:cSld>
+  <p:clrMapOvr>
+    <a:masterClrMapping/>
+  </p:clrMapOvr>
+</p:sld>
+</file>
+
+<file path=ppt/slides/slide11.xml><?xml version="1.0" encoding="utf-8"?>
+<p:sld xmlns:a="http://schemas.openxmlformats.org/drawingml/2006/main" xmlns:r="http://schemas.openxmlformats.org/officeDocument/2006/relationships" xmlns:p="http://schemas.openxmlformats.org/presentationml/2006/main">
+  <p:cSld>
+    <p:spTree>
+      <p:nvGrpSpPr>
+        <p:cNvPr id="1" name=""/>
+        <p:cNvGrpSpPr/>
+        <p:nvPr/>
+      </p:nvGrpSpPr>
+      <p:grpSpPr>
+        <a:xfrm>
+          <a:off x="0" y="0"/>
+          <a:ext cx="0" cy="0"/>
+          <a:chOff x="0" y="0"/>
+          <a:chExt cx="0" cy="0"/>
+        </a:xfrm>
+      </p:grpSpPr>
+      <p:sp>
+        <p:nvSpPr>
+          <p:cNvPr id="2" name="Заголовок 1">
+            <a:extLst>
+              <a:ext uri="{FF2B5EF4-FFF2-40B4-BE49-F238E27FC236}">
+                <a16:creationId xmlns:a16="http://schemas.microsoft.com/office/drawing/2014/main" id="{30E63649-6555-4028-836B-BAE379D5DEF8}"/>
+              </a:ext>
+            </a:extLst>
+          </p:cNvPr>
+          <p:cNvSpPr>
+            <a:spLocks noGrp="1"/>
+          </p:cNvSpPr>
+          <p:nvPr>
+            <p:ph type="title"/>
+          </p:nvPr>
+        </p:nvSpPr>
+        <p:spPr/>
+        <p:txBody>
+          <a:bodyPr/>
+          <a:lstStyle/>
+          <a:p>
+            <a:pPr algn="ctr"/>
+            <a:r>
+              <a:rPr lang="uz-Cyrl-UZ" dirty="0"/>
+              <a:t>Источники доходов сайта</a:t>
+            </a:r>
+            <a:endParaRPr lang="ru-RU" dirty="0"/>
+          </a:p>
+        </p:txBody>
+      </p:sp>
+      <p:sp>
+        <p:nvSpPr>
+          <p:cNvPr id="3" name="Объект 2">
+            <a:extLst>
+              <a:ext uri="{FF2B5EF4-FFF2-40B4-BE49-F238E27FC236}">
+                <a16:creationId xmlns:a16="http://schemas.microsoft.com/office/drawing/2014/main" id="{C1BFB3F5-A08B-4EE9-86DC-25F8FC916108}"/>
+              </a:ext>
+            </a:extLst>
+          </p:cNvPr>
+          <p:cNvSpPr>
+            <a:spLocks noGrp="1"/>
+          </p:cNvSpPr>
+          <p:nvPr>
+            <p:ph idx="1"/>
+          </p:nvPr>
+        </p:nvSpPr>
+        <p:spPr/>
+        <p:txBody>
+          <a:bodyPr/>
+          <a:lstStyle/>
+          <a:p>
+            <a:r>
+              <a:rPr lang="uz-Cyrl-UZ" dirty="0"/>
+              <a:t>Реклама;</a:t>
+            </a:r>
+          </a:p>
+          <a:p>
+            <a:r>
+              <a:rPr lang="ru-RU" dirty="0"/>
+              <a:t>За счет комиссии, уплачиваемой пользователями за добровольное поощрение рекомендаций врачей</a:t>
+            </a:r>
+            <a:r>
+              <a:rPr lang="uz-Cyrl-UZ" dirty="0"/>
+              <a:t>.</a:t>
+            </a:r>
+            <a:endParaRPr lang="ru-RU" dirty="0"/>
+          </a:p>
+        </p:txBody>
+      </p:sp>
+    </p:spTree>
+    <p:extLst>
+      <p:ext uri="{BB962C8B-B14F-4D97-AF65-F5344CB8AC3E}">
+        <p14:creationId xmlns:p14="http://schemas.microsoft.com/office/powerpoint/2010/main" val="1852490662"/>
       </p:ext>
     </p:extLst>
   </p:cSld>
@@ -3431,11 +3988,16 @@
           <a:bodyPr/>
           <a:lstStyle/>
           <a:p>
-            <a:r>
-              <a:rPr lang="en-US" dirty="0"/>
-              <a:t>Purpose of web site mkarta.uz</a:t>
-            </a:r>
-            <a:endParaRPr lang="ru-RU" dirty="0"/>
+            <a:pPr algn="ctr"/>
+            <a:r>
+              <a:rPr lang="ru-RU" b="1" dirty="0"/>
+              <a:t>Цель веб-сайта </a:t>
+            </a:r>
+            <a:r>
+              <a:rPr lang="en-US" b="1" dirty="0"/>
+              <a:t>mkarta.uz</a:t>
+            </a:r>
+            <a:endParaRPr lang="ru-RU" b="1" dirty="0"/>
           </a:p>
         </p:txBody>
       </p:sp>
@@ -3461,14 +4023,25 @@
           <a:lstStyle/>
           <a:p>
             <a:r>
-              <a:rPr lang="en-US" dirty="0"/>
-              <a:t>Keep user’s health information in one place</a:t>
-            </a:r>
-          </a:p>
-          <a:p>
-            <a:r>
-              <a:rPr lang="en-US" dirty="0"/>
-              <a:t>Let doctors to make recommendations for the treatment of users' diseases</a:t>
+              <a:rPr lang="ru-RU" dirty="0"/>
+              <a:t>Храните информацию о здоровье пользователя, диагностические ответы, рекомендации по лечению в одном месте</a:t>
+            </a:r>
+            <a:r>
+              <a:rPr lang="uz-Cyrl-UZ" dirty="0"/>
+              <a:t>;</a:t>
+            </a:r>
+            <a:endParaRPr lang="en-US" dirty="0"/>
+          </a:p>
+          <a:p>
+            <a:r>
+              <a:rPr lang="ru-RU" dirty="0"/>
+              <a:t>Позволит врачам дать рекомендации по лечению или улучшения здоровья;</a:t>
+            </a:r>
+          </a:p>
+          <a:p>
+            <a:r>
+              <a:rPr lang="ru-RU" dirty="0"/>
+              <a:t>Готовить отчеты об изменениях здоровья пользователей с течением времени.</a:t>
             </a:r>
           </a:p>
           <a:p>
@@ -3479,7 +4052,3094 @@
     </p:spTree>
     <p:extLst>
       <p:ext uri="{BB962C8B-B14F-4D97-AF65-F5344CB8AC3E}">
-        <p14:creationId xmlns:p14="http://schemas.microsoft.com/office/powerpoint/2010/main" val="192235191"/>
+        <p14:creationId xmlns:p14="http://schemas.microsoft.com/office/powerpoint/2010/main" val="4139106129"/>
+      </p:ext>
+    </p:extLst>
+  </p:cSld>
+  <p:clrMapOvr>
+    <a:masterClrMapping/>
+  </p:clrMapOvr>
+</p:sld>
+</file>
+
+<file path=ppt/slides/slide3.xml><?xml version="1.0" encoding="utf-8"?>
+<p:sld xmlns:a="http://schemas.openxmlformats.org/drawingml/2006/main" xmlns:r="http://schemas.openxmlformats.org/officeDocument/2006/relationships" xmlns:p="http://schemas.openxmlformats.org/presentationml/2006/main">
+  <p:cSld>
+    <p:spTree>
+      <p:nvGrpSpPr>
+        <p:cNvPr id="1" name=""/>
+        <p:cNvGrpSpPr/>
+        <p:nvPr/>
+      </p:nvGrpSpPr>
+      <p:grpSpPr>
+        <a:xfrm>
+          <a:off x="0" y="0"/>
+          <a:ext cx="0" cy="0"/>
+          <a:chOff x="0" y="0"/>
+          <a:chExt cx="0" cy="0"/>
+        </a:xfrm>
+      </p:grpSpPr>
+      <p:sp>
+        <p:nvSpPr>
+          <p:cNvPr id="2" name="Заголовок 1">
+            <a:extLst>
+              <a:ext uri="{FF2B5EF4-FFF2-40B4-BE49-F238E27FC236}">
+                <a16:creationId xmlns:a16="http://schemas.microsoft.com/office/drawing/2014/main" id="{281A1854-1034-49EA-88D5-D14E7097B530}"/>
+              </a:ext>
+            </a:extLst>
+          </p:cNvPr>
+          <p:cNvSpPr>
+            <a:spLocks noGrp="1"/>
+          </p:cNvSpPr>
+          <p:nvPr>
+            <p:ph type="title"/>
+          </p:nvPr>
+        </p:nvSpPr>
+        <p:spPr/>
+        <p:txBody>
+          <a:bodyPr/>
+          <a:lstStyle/>
+          <a:p>
+            <a:pPr algn="ctr"/>
+            <a:r>
+              <a:rPr lang="ru-RU" b="1" dirty="0"/>
+              <a:t>Информация о программном обеспечении и хостинга </a:t>
+            </a:r>
+            <a:r>
+              <a:rPr lang="en-US" b="1" dirty="0"/>
+              <a:t>mkarta.uz</a:t>
+            </a:r>
+            <a:endParaRPr lang="ru-RU" b="1" dirty="0"/>
+          </a:p>
+        </p:txBody>
+      </p:sp>
+      <p:sp>
+        <p:nvSpPr>
+          <p:cNvPr id="3" name="Объект 2">
+            <a:extLst>
+              <a:ext uri="{FF2B5EF4-FFF2-40B4-BE49-F238E27FC236}">
+                <a16:creationId xmlns:a16="http://schemas.microsoft.com/office/drawing/2014/main" id="{107ECFEE-5EE1-4108-826B-EDCB676BA63D}"/>
+              </a:ext>
+            </a:extLst>
+          </p:cNvPr>
+          <p:cNvSpPr>
+            <a:spLocks noGrp="1"/>
+          </p:cNvSpPr>
+          <p:nvPr>
+            <p:ph idx="1"/>
+          </p:nvPr>
+        </p:nvSpPr>
+        <p:spPr/>
+        <p:txBody>
+          <a:bodyPr/>
+          <a:lstStyle/>
+          <a:p>
+            <a:r>
+              <a:rPr lang="uz-Cyrl-UZ" dirty="0"/>
+              <a:t>Сайт разрабатывается в среде </a:t>
+            </a:r>
+            <a:r>
+              <a:rPr lang="en-US" dirty="0" err="1"/>
+              <a:t>joomla</a:t>
+            </a:r>
+            <a:r>
+              <a:rPr lang="en-US" dirty="0"/>
+              <a:t> CMS</a:t>
+            </a:r>
+            <a:r>
+              <a:rPr lang="uz-Cyrl-UZ" dirty="0"/>
+              <a:t>. </a:t>
+            </a:r>
+          </a:p>
+          <a:p>
+            <a:r>
+              <a:rPr lang="uz-Cyrl-UZ" dirty="0"/>
+              <a:t>Программные коды польностью расположен в репозитарие </a:t>
+            </a:r>
+            <a:r>
+              <a:rPr lang="en-US" dirty="0">
+                <a:hlinkClick r:id="rId2"/>
+              </a:rPr>
+              <a:t>https://github.com/ruslanbek05/mkarta.uz.git</a:t>
+            </a:r>
+            <a:r>
+              <a:rPr lang="uz-Cyrl-UZ" dirty="0"/>
+              <a:t> , и дан общий доступ для разработки;</a:t>
+            </a:r>
+          </a:p>
+          <a:p>
+            <a:r>
+              <a:rPr lang="uz-Cyrl-UZ" dirty="0"/>
+              <a:t>Хостинг сервис от </a:t>
+            </a:r>
+            <a:r>
+              <a:rPr lang="en-US" dirty="0"/>
+              <a:t>hostinger.com</a:t>
+            </a:r>
+            <a:r>
+              <a:rPr lang="uz-Cyrl-UZ" dirty="0"/>
+              <a:t>.</a:t>
+            </a:r>
+          </a:p>
+        </p:txBody>
+      </p:sp>
+    </p:spTree>
+    <p:extLst>
+      <p:ext uri="{BB962C8B-B14F-4D97-AF65-F5344CB8AC3E}">
+        <p14:creationId xmlns:p14="http://schemas.microsoft.com/office/powerpoint/2010/main" val="2344836225"/>
+      </p:ext>
+    </p:extLst>
+  </p:cSld>
+  <p:clrMapOvr>
+    <a:masterClrMapping/>
+  </p:clrMapOvr>
+</p:sld>
+</file>
+
+<file path=ppt/slides/slide4.xml><?xml version="1.0" encoding="utf-8"?>
+<p:sld xmlns:a="http://schemas.openxmlformats.org/drawingml/2006/main" xmlns:r="http://schemas.openxmlformats.org/officeDocument/2006/relationships" xmlns:p="http://schemas.openxmlformats.org/presentationml/2006/main">
+  <p:cSld>
+    <p:spTree>
+      <p:nvGrpSpPr>
+        <p:cNvPr id="1" name=""/>
+        <p:cNvGrpSpPr/>
+        <p:nvPr/>
+      </p:nvGrpSpPr>
+      <p:grpSpPr>
+        <a:xfrm>
+          <a:off x="0" y="0"/>
+          <a:ext cx="0" cy="0"/>
+          <a:chOff x="0" y="0"/>
+          <a:chExt cx="0" cy="0"/>
+        </a:xfrm>
+      </p:grpSpPr>
+      <p:sp>
+        <p:nvSpPr>
+          <p:cNvPr id="2" name="Заголовок 1">
+            <a:extLst>
+              <a:ext uri="{FF2B5EF4-FFF2-40B4-BE49-F238E27FC236}">
+                <a16:creationId xmlns:a16="http://schemas.microsoft.com/office/drawing/2014/main" id="{7304EBC6-B91D-48E0-9E77-F45CCEB4A35B}"/>
+              </a:ext>
+            </a:extLst>
+          </p:cNvPr>
+          <p:cNvSpPr>
+            <a:spLocks noGrp="1"/>
+          </p:cNvSpPr>
+          <p:nvPr>
+            <p:ph type="title"/>
+          </p:nvPr>
+        </p:nvSpPr>
+        <p:spPr/>
+        <p:txBody>
+          <a:bodyPr/>
+          <a:lstStyle/>
+          <a:p>
+            <a:pPr algn="ctr"/>
+            <a:r>
+              <a:rPr lang="uz-Cyrl-UZ" b="1" dirty="0"/>
+              <a:t>Конфиденциальность информации</a:t>
+            </a:r>
+            <a:endParaRPr lang="ru-RU" b="1" dirty="0"/>
+          </a:p>
+        </p:txBody>
+      </p:sp>
+      <p:sp>
+        <p:nvSpPr>
+          <p:cNvPr id="3" name="Объект 2">
+            <a:extLst>
+              <a:ext uri="{FF2B5EF4-FFF2-40B4-BE49-F238E27FC236}">
+                <a16:creationId xmlns:a16="http://schemas.microsoft.com/office/drawing/2014/main" id="{F53F37A9-06B4-4260-B5D4-689C914E8F99}"/>
+              </a:ext>
+            </a:extLst>
+          </p:cNvPr>
+          <p:cNvSpPr>
+            <a:spLocks noGrp="1"/>
+          </p:cNvSpPr>
+          <p:nvPr>
+            <p:ph idx="1"/>
+          </p:nvPr>
+        </p:nvSpPr>
+        <p:spPr/>
+        <p:txBody>
+          <a:bodyPr/>
+          <a:lstStyle/>
+          <a:p>
+            <a:r>
+              <a:rPr lang="ru-RU" dirty="0"/>
+              <a:t>Пользовательский данные виден только пользователю и врачу. Не виден другим пользователям.</a:t>
+            </a:r>
+          </a:p>
+          <a:p>
+            <a:r>
+              <a:rPr lang="ru-RU" dirty="0"/>
+              <a:t>В группу врачей добавляется только на основании представленных документах.</a:t>
+            </a:r>
+          </a:p>
+        </p:txBody>
+      </p:sp>
+    </p:spTree>
+    <p:extLst>
+      <p:ext uri="{BB962C8B-B14F-4D97-AF65-F5344CB8AC3E}">
+        <p14:creationId xmlns:p14="http://schemas.microsoft.com/office/powerpoint/2010/main" val="954225659"/>
+      </p:ext>
+    </p:extLst>
+  </p:cSld>
+  <p:clrMapOvr>
+    <a:masterClrMapping/>
+  </p:clrMapOvr>
+</p:sld>
+</file>
+
+<file path=ppt/slides/slide5.xml><?xml version="1.0" encoding="utf-8"?>
+<p:sld xmlns:a="http://schemas.openxmlformats.org/drawingml/2006/main" xmlns:r="http://schemas.openxmlformats.org/officeDocument/2006/relationships" xmlns:p="http://schemas.openxmlformats.org/presentationml/2006/main">
+  <p:cSld>
+    <p:spTree>
+      <p:nvGrpSpPr>
+        <p:cNvPr id="1" name=""/>
+        <p:cNvGrpSpPr/>
+        <p:nvPr/>
+      </p:nvGrpSpPr>
+      <p:grpSpPr>
+        <a:xfrm>
+          <a:off x="0" y="0"/>
+          <a:ext cx="0" cy="0"/>
+          <a:chOff x="0" y="0"/>
+          <a:chExt cx="0" cy="0"/>
+        </a:xfrm>
+      </p:grpSpPr>
+      <p:sp>
+        <p:nvSpPr>
+          <p:cNvPr id="2" name="Заголовок 1">
+            <a:extLst>
+              <a:ext uri="{FF2B5EF4-FFF2-40B4-BE49-F238E27FC236}">
+                <a16:creationId xmlns:a16="http://schemas.microsoft.com/office/drawing/2014/main" id="{2FF5B0DF-5976-4475-8909-F0C1359DA68B}"/>
+              </a:ext>
+            </a:extLst>
+          </p:cNvPr>
+          <p:cNvSpPr>
+            <a:spLocks noGrp="1"/>
+          </p:cNvSpPr>
+          <p:nvPr>
+            <p:ph type="title"/>
+          </p:nvPr>
+        </p:nvSpPr>
+        <p:spPr/>
+        <p:txBody>
+          <a:bodyPr/>
+          <a:lstStyle/>
+          <a:p>
+            <a:pPr algn="ctr"/>
+            <a:r>
+              <a:rPr lang="uz-Cyrl-UZ" dirty="0"/>
+              <a:t>Меню (для пользователей)</a:t>
+            </a:r>
+            <a:endParaRPr lang="ru-RU" dirty="0"/>
+          </a:p>
+        </p:txBody>
+      </p:sp>
+      <p:graphicFrame>
+        <p:nvGraphicFramePr>
+          <p:cNvPr id="4" name="Таблица 4">
+            <a:extLst>
+              <a:ext uri="{FF2B5EF4-FFF2-40B4-BE49-F238E27FC236}">
+                <a16:creationId xmlns:a16="http://schemas.microsoft.com/office/drawing/2014/main" id="{068F1E0F-891B-49A4-8288-331F18838ADC}"/>
+              </a:ext>
+            </a:extLst>
+          </p:cNvPr>
+          <p:cNvGraphicFramePr>
+            <a:graphicFrameLocks noGrp="1"/>
+          </p:cNvGraphicFramePr>
+          <p:nvPr>
+            <p:extLst>
+              <p:ext uri="{D42A27DB-BD31-4B8C-83A1-F6EECF244321}">
+                <p14:modId xmlns:p14="http://schemas.microsoft.com/office/powerpoint/2010/main" val="1370147395"/>
+              </p:ext>
+            </p:extLst>
+          </p:nvPr>
+        </p:nvGraphicFramePr>
+        <p:xfrm>
+          <a:off x="380619" y="1675406"/>
+          <a:ext cx="11206330" cy="2560320"/>
+        </p:xfrm>
+        <a:graphic>
+          <a:graphicData uri="http://schemas.openxmlformats.org/drawingml/2006/table">
+            <a:tbl>
+              <a:tblPr firstRow="1" bandRow="1">
+                <a:tableStyleId>{2D5ABB26-0587-4C30-8999-92F81FD0307C}</a:tableStyleId>
+              </a:tblPr>
+              <a:tblGrid>
+                <a:gridCol w="2567297">
+                  <a:extLst>
+                    <a:ext uri="{9D8B030D-6E8A-4147-A177-3AD203B41FA5}">
+                      <a16:colId xmlns:a16="http://schemas.microsoft.com/office/drawing/2014/main" val="324926100"/>
+                    </a:ext>
+                  </a:extLst>
+                </a:gridCol>
+                <a:gridCol w="8639033">
+                  <a:extLst>
+                    <a:ext uri="{9D8B030D-6E8A-4147-A177-3AD203B41FA5}">
+                      <a16:colId xmlns:a16="http://schemas.microsoft.com/office/drawing/2014/main" val="1749414321"/>
+                    </a:ext>
+                  </a:extLst>
+                </a:gridCol>
+              </a:tblGrid>
+              <a:tr h="308516">
+                <a:tc>
+                  <a:txBody>
+                    <a:bodyPr/>
+                    <a:lstStyle/>
+                    <a:p>
+                      <a:pPr algn="ctr"/>
+                      <a:r>
+                        <a:rPr lang="uz-Cyrl-UZ" b="1" dirty="0"/>
+                        <a:t>Меню</a:t>
+                      </a:r>
+                      <a:endParaRPr lang="ru-RU" b="1" dirty="0"/>
+                    </a:p>
+                  </a:txBody>
+                  <a:tcPr>
+                    <a:lnL w="12700" cap="flat" cmpd="sng" algn="ctr">
+                      <a:solidFill>
+                        <a:schemeClr val="tx1"/>
+                      </a:solidFill>
+                      <a:prstDash val="solid"/>
+                      <a:round/>
+                      <a:headEnd type="none" w="med" len="med"/>
+                      <a:tailEnd type="none" w="med" len="med"/>
+                    </a:lnL>
+                    <a:lnR w="12700" cap="flat" cmpd="sng" algn="ctr">
+                      <a:solidFill>
+                        <a:schemeClr val="tx1"/>
+                      </a:solidFill>
+                      <a:prstDash val="solid"/>
+                      <a:round/>
+                      <a:headEnd type="none" w="med" len="med"/>
+                      <a:tailEnd type="none" w="med" len="med"/>
+                    </a:lnR>
+                    <a:lnT w="12700" cap="flat" cmpd="sng" algn="ctr">
+                      <a:solidFill>
+                        <a:schemeClr val="tx1"/>
+                      </a:solidFill>
+                      <a:prstDash val="solid"/>
+                      <a:round/>
+                      <a:headEnd type="none" w="med" len="med"/>
+                      <a:tailEnd type="none" w="med" len="med"/>
+                    </a:lnT>
+                    <a:lnB w="12700" cap="flat" cmpd="sng" algn="ctr">
+                      <a:solidFill>
+                        <a:schemeClr val="tx1"/>
+                      </a:solidFill>
+                      <a:prstDash val="solid"/>
+                      <a:round/>
+                      <a:headEnd type="none" w="med" len="med"/>
+                      <a:tailEnd type="none" w="med" len="med"/>
+                    </a:lnB>
+                  </a:tcPr>
+                </a:tc>
+                <a:tc>
+                  <a:txBody>
+                    <a:bodyPr/>
+                    <a:lstStyle/>
+                    <a:p>
+                      <a:pPr algn="ctr"/>
+                      <a:r>
+                        <a:rPr lang="uz-Cyrl-UZ" b="1" dirty="0"/>
+                        <a:t>Изоҳ</a:t>
+                      </a:r>
+                      <a:endParaRPr lang="ru-RU" b="1" dirty="0"/>
+                    </a:p>
+                  </a:txBody>
+                  <a:tcPr>
+                    <a:lnL w="12700" cap="flat" cmpd="sng" algn="ctr">
+                      <a:solidFill>
+                        <a:schemeClr val="tx1"/>
+                      </a:solidFill>
+                      <a:prstDash val="solid"/>
+                      <a:round/>
+                      <a:headEnd type="none" w="med" len="med"/>
+                      <a:tailEnd type="none" w="med" len="med"/>
+                    </a:lnL>
+                    <a:lnR w="12700" cap="flat" cmpd="sng" algn="ctr">
+                      <a:solidFill>
+                        <a:schemeClr val="tx1"/>
+                      </a:solidFill>
+                      <a:prstDash val="solid"/>
+                      <a:round/>
+                      <a:headEnd type="none" w="med" len="med"/>
+                      <a:tailEnd type="none" w="med" len="med"/>
+                    </a:lnR>
+                    <a:lnT w="12700" cap="flat" cmpd="sng" algn="ctr">
+                      <a:solidFill>
+                        <a:schemeClr val="tx1"/>
+                      </a:solidFill>
+                      <a:prstDash val="solid"/>
+                      <a:round/>
+                      <a:headEnd type="none" w="med" len="med"/>
+                      <a:tailEnd type="none" w="med" len="med"/>
+                    </a:lnT>
+                    <a:lnB w="12700" cap="flat" cmpd="sng" algn="ctr">
+                      <a:solidFill>
+                        <a:schemeClr val="tx1"/>
+                      </a:solidFill>
+                      <a:prstDash val="solid"/>
+                      <a:round/>
+                      <a:headEnd type="none" w="med" len="med"/>
+                      <a:tailEnd type="none" w="med" len="med"/>
+                    </a:lnB>
+                  </a:tcPr>
+                </a:tc>
+                <a:extLst>
+                  <a:ext uri="{0D108BD9-81ED-4DB2-BD59-A6C34878D82A}">
+                    <a16:rowId xmlns:a16="http://schemas.microsoft.com/office/drawing/2014/main" val="1444431637"/>
+                  </a:ext>
+                </a:extLst>
+              </a:tr>
+              <a:tr h="308516">
+                <a:tc>
+                  <a:txBody>
+                    <a:bodyPr/>
+                    <a:lstStyle/>
+                    <a:p>
+                      <a:r>
+                        <a:rPr lang="uz-Cyrl-UZ" dirty="0">
+                          <a:hlinkClick r:id="rId2" action="ppaction://hlinksldjump"/>
+                        </a:rPr>
+                        <a:t>Анализы</a:t>
+                      </a:r>
+                      <a:r>
+                        <a:rPr lang="uz-Cyrl-UZ" dirty="0"/>
+                        <a:t> </a:t>
+                      </a:r>
+                      <a:endParaRPr lang="ru-RU" dirty="0"/>
+                    </a:p>
+                  </a:txBody>
+                  <a:tcPr>
+                    <a:lnL w="12700" cap="flat" cmpd="sng" algn="ctr">
+                      <a:solidFill>
+                        <a:schemeClr val="tx1"/>
+                      </a:solidFill>
+                      <a:prstDash val="solid"/>
+                      <a:round/>
+                      <a:headEnd type="none" w="med" len="med"/>
+                      <a:tailEnd type="none" w="med" len="med"/>
+                    </a:lnL>
+                    <a:lnR w="12700" cap="flat" cmpd="sng" algn="ctr">
+                      <a:solidFill>
+                        <a:schemeClr val="tx1"/>
+                      </a:solidFill>
+                      <a:prstDash val="solid"/>
+                      <a:round/>
+                      <a:headEnd type="none" w="med" len="med"/>
+                      <a:tailEnd type="none" w="med" len="med"/>
+                    </a:lnR>
+                    <a:lnT w="12700" cap="flat" cmpd="sng" algn="ctr">
+                      <a:solidFill>
+                        <a:schemeClr val="tx1"/>
+                      </a:solidFill>
+                      <a:prstDash val="solid"/>
+                      <a:round/>
+                      <a:headEnd type="none" w="med" len="med"/>
+                      <a:tailEnd type="none" w="med" len="med"/>
+                    </a:lnT>
+                    <a:lnB w="12700" cap="flat" cmpd="sng" algn="ctr">
+                      <a:solidFill>
+                        <a:schemeClr val="tx1"/>
+                      </a:solidFill>
+                      <a:prstDash val="solid"/>
+                      <a:round/>
+                      <a:headEnd type="none" w="med" len="med"/>
+                      <a:tailEnd type="none" w="med" len="med"/>
+                    </a:lnB>
+                  </a:tcPr>
+                </a:tc>
+                <a:tc>
+                  <a:txBody>
+                    <a:bodyPr/>
+                    <a:lstStyle/>
+                    <a:p>
+                      <a:r>
+                        <a:rPr lang="ru-RU" dirty="0"/>
+                        <a:t>Введется информацию о здоровье пользователя (описание, изображение, дата)</a:t>
+                      </a:r>
+                    </a:p>
+                  </a:txBody>
+                  <a:tcPr>
+                    <a:lnL w="12700" cap="flat" cmpd="sng" algn="ctr">
+                      <a:solidFill>
+                        <a:schemeClr val="tx1"/>
+                      </a:solidFill>
+                      <a:prstDash val="solid"/>
+                      <a:round/>
+                      <a:headEnd type="none" w="med" len="med"/>
+                      <a:tailEnd type="none" w="med" len="med"/>
+                    </a:lnL>
+                    <a:lnR w="12700" cap="flat" cmpd="sng" algn="ctr">
+                      <a:solidFill>
+                        <a:schemeClr val="tx1"/>
+                      </a:solidFill>
+                      <a:prstDash val="solid"/>
+                      <a:round/>
+                      <a:headEnd type="none" w="med" len="med"/>
+                      <a:tailEnd type="none" w="med" len="med"/>
+                    </a:lnR>
+                    <a:lnT w="12700" cap="flat" cmpd="sng" algn="ctr">
+                      <a:solidFill>
+                        <a:schemeClr val="tx1"/>
+                      </a:solidFill>
+                      <a:prstDash val="solid"/>
+                      <a:round/>
+                      <a:headEnd type="none" w="med" len="med"/>
+                      <a:tailEnd type="none" w="med" len="med"/>
+                    </a:lnT>
+                    <a:lnB w="12700" cap="flat" cmpd="sng" algn="ctr">
+                      <a:solidFill>
+                        <a:schemeClr val="tx1"/>
+                      </a:solidFill>
+                      <a:prstDash val="solid"/>
+                      <a:round/>
+                      <a:headEnd type="none" w="med" len="med"/>
+                      <a:tailEnd type="none" w="med" len="med"/>
+                    </a:lnB>
+                  </a:tcPr>
+                </a:tc>
+                <a:extLst>
+                  <a:ext uri="{0D108BD9-81ED-4DB2-BD59-A6C34878D82A}">
+                    <a16:rowId xmlns:a16="http://schemas.microsoft.com/office/drawing/2014/main" val="113361725"/>
+                  </a:ext>
+                </a:extLst>
+              </a:tr>
+              <a:tr h="308516">
+                <a:tc>
+                  <a:txBody>
+                    <a:bodyPr/>
+                    <a:lstStyle/>
+                    <a:p>
+                      <a:r>
+                        <a:rPr lang="uz-Cyrl-UZ" dirty="0"/>
+                        <a:t>Рекомендации врачей</a:t>
+                      </a:r>
+                      <a:endParaRPr lang="ru-RU" dirty="0"/>
+                    </a:p>
+                  </a:txBody>
+                  <a:tcPr>
+                    <a:lnL w="12700" cap="flat" cmpd="sng" algn="ctr">
+                      <a:solidFill>
+                        <a:schemeClr val="tx1"/>
+                      </a:solidFill>
+                      <a:prstDash val="solid"/>
+                      <a:round/>
+                      <a:headEnd type="none" w="med" len="med"/>
+                      <a:tailEnd type="none" w="med" len="med"/>
+                    </a:lnL>
+                    <a:lnR w="12700" cap="flat" cmpd="sng" algn="ctr">
+                      <a:solidFill>
+                        <a:schemeClr val="tx1"/>
+                      </a:solidFill>
+                      <a:prstDash val="solid"/>
+                      <a:round/>
+                      <a:headEnd type="none" w="med" len="med"/>
+                      <a:tailEnd type="none" w="med" len="med"/>
+                    </a:lnR>
+                    <a:lnT w="12700" cap="flat" cmpd="sng" algn="ctr">
+                      <a:solidFill>
+                        <a:schemeClr val="tx1"/>
+                      </a:solidFill>
+                      <a:prstDash val="solid"/>
+                      <a:round/>
+                      <a:headEnd type="none" w="med" len="med"/>
+                      <a:tailEnd type="none" w="med" len="med"/>
+                    </a:lnT>
+                    <a:lnB w="12700" cap="flat" cmpd="sng" algn="ctr">
+                      <a:solidFill>
+                        <a:schemeClr val="tx1"/>
+                      </a:solidFill>
+                      <a:prstDash val="solid"/>
+                      <a:round/>
+                      <a:headEnd type="none" w="med" len="med"/>
+                      <a:tailEnd type="none" w="med" len="med"/>
+                    </a:lnB>
+                  </a:tcPr>
+                </a:tc>
+                <a:tc>
+                  <a:txBody>
+                    <a:bodyPr/>
+                    <a:lstStyle/>
+                    <a:p>
+                      <a:endParaRPr lang="ru-RU" dirty="0"/>
+                    </a:p>
+                  </a:txBody>
+                  <a:tcPr>
+                    <a:lnL w="12700" cap="flat" cmpd="sng" algn="ctr">
+                      <a:solidFill>
+                        <a:schemeClr val="tx1"/>
+                      </a:solidFill>
+                      <a:prstDash val="solid"/>
+                      <a:round/>
+                      <a:headEnd type="none" w="med" len="med"/>
+                      <a:tailEnd type="none" w="med" len="med"/>
+                    </a:lnL>
+                    <a:lnR w="12700" cap="flat" cmpd="sng" algn="ctr">
+                      <a:solidFill>
+                        <a:schemeClr val="tx1"/>
+                      </a:solidFill>
+                      <a:prstDash val="solid"/>
+                      <a:round/>
+                      <a:headEnd type="none" w="med" len="med"/>
+                      <a:tailEnd type="none" w="med" len="med"/>
+                    </a:lnR>
+                    <a:lnT w="12700" cap="flat" cmpd="sng" algn="ctr">
+                      <a:solidFill>
+                        <a:schemeClr val="tx1"/>
+                      </a:solidFill>
+                      <a:prstDash val="solid"/>
+                      <a:round/>
+                      <a:headEnd type="none" w="med" len="med"/>
+                      <a:tailEnd type="none" w="med" len="med"/>
+                    </a:lnT>
+                    <a:lnB w="12700" cap="flat" cmpd="sng" algn="ctr">
+                      <a:solidFill>
+                        <a:schemeClr val="tx1"/>
+                      </a:solidFill>
+                      <a:prstDash val="solid"/>
+                      <a:round/>
+                      <a:headEnd type="none" w="med" len="med"/>
+                      <a:tailEnd type="none" w="med" len="med"/>
+                    </a:lnB>
+                  </a:tcPr>
+                </a:tc>
+                <a:extLst>
+                  <a:ext uri="{0D108BD9-81ED-4DB2-BD59-A6C34878D82A}">
+                    <a16:rowId xmlns:a16="http://schemas.microsoft.com/office/drawing/2014/main" val="2909321219"/>
+                  </a:ext>
+                </a:extLst>
+              </a:tr>
+              <a:tr h="308516">
+                <a:tc>
+                  <a:txBody>
+                    <a:bodyPr/>
+                    <a:lstStyle/>
+                    <a:p>
+                      <a:endParaRPr lang="ru-RU" dirty="0"/>
+                    </a:p>
+                  </a:txBody>
+                  <a:tcPr>
+                    <a:lnL w="12700" cap="flat" cmpd="sng" algn="ctr">
+                      <a:solidFill>
+                        <a:schemeClr val="tx1"/>
+                      </a:solidFill>
+                      <a:prstDash val="solid"/>
+                      <a:round/>
+                      <a:headEnd type="none" w="med" len="med"/>
+                      <a:tailEnd type="none" w="med" len="med"/>
+                    </a:lnL>
+                    <a:lnR w="12700" cap="flat" cmpd="sng" algn="ctr">
+                      <a:solidFill>
+                        <a:schemeClr val="tx1"/>
+                      </a:solidFill>
+                      <a:prstDash val="solid"/>
+                      <a:round/>
+                      <a:headEnd type="none" w="med" len="med"/>
+                      <a:tailEnd type="none" w="med" len="med"/>
+                    </a:lnR>
+                    <a:lnT w="12700" cap="flat" cmpd="sng" algn="ctr">
+                      <a:solidFill>
+                        <a:schemeClr val="tx1"/>
+                      </a:solidFill>
+                      <a:prstDash val="solid"/>
+                      <a:round/>
+                      <a:headEnd type="none" w="med" len="med"/>
+                      <a:tailEnd type="none" w="med" len="med"/>
+                    </a:lnT>
+                    <a:lnB w="12700" cap="flat" cmpd="sng" algn="ctr">
+                      <a:solidFill>
+                        <a:schemeClr val="tx1"/>
+                      </a:solidFill>
+                      <a:prstDash val="solid"/>
+                      <a:round/>
+                      <a:headEnd type="none" w="med" len="med"/>
+                      <a:tailEnd type="none" w="med" len="med"/>
+                    </a:lnB>
+                  </a:tcPr>
+                </a:tc>
+                <a:tc>
+                  <a:txBody>
+                    <a:bodyPr/>
+                    <a:lstStyle/>
+                    <a:p>
+                      <a:endParaRPr lang="ru-RU" dirty="0"/>
+                    </a:p>
+                  </a:txBody>
+                  <a:tcPr>
+                    <a:lnL w="12700" cap="flat" cmpd="sng" algn="ctr">
+                      <a:solidFill>
+                        <a:schemeClr val="tx1"/>
+                      </a:solidFill>
+                      <a:prstDash val="solid"/>
+                      <a:round/>
+                      <a:headEnd type="none" w="med" len="med"/>
+                      <a:tailEnd type="none" w="med" len="med"/>
+                    </a:lnL>
+                    <a:lnR w="12700" cap="flat" cmpd="sng" algn="ctr">
+                      <a:solidFill>
+                        <a:schemeClr val="tx1"/>
+                      </a:solidFill>
+                      <a:prstDash val="solid"/>
+                      <a:round/>
+                      <a:headEnd type="none" w="med" len="med"/>
+                      <a:tailEnd type="none" w="med" len="med"/>
+                    </a:lnR>
+                    <a:lnT w="12700" cap="flat" cmpd="sng" algn="ctr">
+                      <a:solidFill>
+                        <a:schemeClr val="tx1"/>
+                      </a:solidFill>
+                      <a:prstDash val="solid"/>
+                      <a:round/>
+                      <a:headEnd type="none" w="med" len="med"/>
+                      <a:tailEnd type="none" w="med" len="med"/>
+                    </a:lnT>
+                    <a:lnB w="12700" cap="flat" cmpd="sng" algn="ctr">
+                      <a:solidFill>
+                        <a:schemeClr val="tx1"/>
+                      </a:solidFill>
+                      <a:prstDash val="solid"/>
+                      <a:round/>
+                      <a:headEnd type="none" w="med" len="med"/>
+                      <a:tailEnd type="none" w="med" len="med"/>
+                    </a:lnB>
+                  </a:tcPr>
+                </a:tc>
+                <a:extLst>
+                  <a:ext uri="{0D108BD9-81ED-4DB2-BD59-A6C34878D82A}">
+                    <a16:rowId xmlns:a16="http://schemas.microsoft.com/office/drawing/2014/main" val="2807525101"/>
+                  </a:ext>
+                </a:extLst>
+              </a:tr>
+              <a:tr h="308516">
+                <a:tc>
+                  <a:txBody>
+                    <a:bodyPr/>
+                    <a:lstStyle/>
+                    <a:p>
+                      <a:endParaRPr lang="ru-RU" dirty="0"/>
+                    </a:p>
+                  </a:txBody>
+                  <a:tcPr>
+                    <a:lnL w="12700" cap="flat" cmpd="sng" algn="ctr">
+                      <a:solidFill>
+                        <a:schemeClr val="tx1"/>
+                      </a:solidFill>
+                      <a:prstDash val="solid"/>
+                      <a:round/>
+                      <a:headEnd type="none" w="med" len="med"/>
+                      <a:tailEnd type="none" w="med" len="med"/>
+                    </a:lnL>
+                    <a:lnR w="12700" cap="flat" cmpd="sng" algn="ctr">
+                      <a:solidFill>
+                        <a:schemeClr val="tx1"/>
+                      </a:solidFill>
+                      <a:prstDash val="solid"/>
+                      <a:round/>
+                      <a:headEnd type="none" w="med" len="med"/>
+                      <a:tailEnd type="none" w="med" len="med"/>
+                    </a:lnR>
+                    <a:lnT w="12700" cap="flat" cmpd="sng" algn="ctr">
+                      <a:solidFill>
+                        <a:schemeClr val="tx1"/>
+                      </a:solidFill>
+                      <a:prstDash val="solid"/>
+                      <a:round/>
+                      <a:headEnd type="none" w="med" len="med"/>
+                      <a:tailEnd type="none" w="med" len="med"/>
+                    </a:lnT>
+                    <a:lnB w="12700" cap="flat" cmpd="sng" algn="ctr">
+                      <a:solidFill>
+                        <a:schemeClr val="tx1"/>
+                      </a:solidFill>
+                      <a:prstDash val="solid"/>
+                      <a:round/>
+                      <a:headEnd type="none" w="med" len="med"/>
+                      <a:tailEnd type="none" w="med" len="med"/>
+                    </a:lnB>
+                  </a:tcPr>
+                </a:tc>
+                <a:tc>
+                  <a:txBody>
+                    <a:bodyPr/>
+                    <a:lstStyle/>
+                    <a:p>
+                      <a:endParaRPr lang="ru-RU" dirty="0"/>
+                    </a:p>
+                  </a:txBody>
+                  <a:tcPr>
+                    <a:lnL w="12700" cap="flat" cmpd="sng" algn="ctr">
+                      <a:solidFill>
+                        <a:schemeClr val="tx1"/>
+                      </a:solidFill>
+                      <a:prstDash val="solid"/>
+                      <a:round/>
+                      <a:headEnd type="none" w="med" len="med"/>
+                      <a:tailEnd type="none" w="med" len="med"/>
+                    </a:lnL>
+                    <a:lnR w="12700" cap="flat" cmpd="sng" algn="ctr">
+                      <a:solidFill>
+                        <a:schemeClr val="tx1"/>
+                      </a:solidFill>
+                      <a:prstDash val="solid"/>
+                      <a:round/>
+                      <a:headEnd type="none" w="med" len="med"/>
+                      <a:tailEnd type="none" w="med" len="med"/>
+                    </a:lnR>
+                    <a:lnT w="12700" cap="flat" cmpd="sng" algn="ctr">
+                      <a:solidFill>
+                        <a:schemeClr val="tx1"/>
+                      </a:solidFill>
+                      <a:prstDash val="solid"/>
+                      <a:round/>
+                      <a:headEnd type="none" w="med" len="med"/>
+                      <a:tailEnd type="none" w="med" len="med"/>
+                    </a:lnT>
+                    <a:lnB w="12700" cap="flat" cmpd="sng" algn="ctr">
+                      <a:solidFill>
+                        <a:schemeClr val="tx1"/>
+                      </a:solidFill>
+                      <a:prstDash val="solid"/>
+                      <a:round/>
+                      <a:headEnd type="none" w="med" len="med"/>
+                      <a:tailEnd type="none" w="med" len="med"/>
+                    </a:lnB>
+                  </a:tcPr>
+                </a:tc>
+                <a:extLst>
+                  <a:ext uri="{0D108BD9-81ED-4DB2-BD59-A6C34878D82A}">
+                    <a16:rowId xmlns:a16="http://schemas.microsoft.com/office/drawing/2014/main" val="2017660426"/>
+                  </a:ext>
+                </a:extLst>
+              </a:tr>
+              <a:tr h="308516">
+                <a:tc>
+                  <a:txBody>
+                    <a:bodyPr/>
+                    <a:lstStyle/>
+                    <a:p>
+                      <a:endParaRPr lang="ru-RU" dirty="0"/>
+                    </a:p>
+                  </a:txBody>
+                  <a:tcPr>
+                    <a:lnL w="12700" cap="flat" cmpd="sng" algn="ctr">
+                      <a:solidFill>
+                        <a:schemeClr val="tx1"/>
+                      </a:solidFill>
+                      <a:prstDash val="solid"/>
+                      <a:round/>
+                      <a:headEnd type="none" w="med" len="med"/>
+                      <a:tailEnd type="none" w="med" len="med"/>
+                    </a:lnL>
+                    <a:lnR w="12700" cap="flat" cmpd="sng" algn="ctr">
+                      <a:solidFill>
+                        <a:schemeClr val="tx1"/>
+                      </a:solidFill>
+                      <a:prstDash val="solid"/>
+                      <a:round/>
+                      <a:headEnd type="none" w="med" len="med"/>
+                      <a:tailEnd type="none" w="med" len="med"/>
+                    </a:lnR>
+                    <a:lnT w="12700" cap="flat" cmpd="sng" algn="ctr">
+                      <a:solidFill>
+                        <a:schemeClr val="tx1"/>
+                      </a:solidFill>
+                      <a:prstDash val="solid"/>
+                      <a:round/>
+                      <a:headEnd type="none" w="med" len="med"/>
+                      <a:tailEnd type="none" w="med" len="med"/>
+                    </a:lnT>
+                    <a:lnB w="12700" cap="flat" cmpd="sng" algn="ctr">
+                      <a:solidFill>
+                        <a:schemeClr val="tx1"/>
+                      </a:solidFill>
+                      <a:prstDash val="solid"/>
+                      <a:round/>
+                      <a:headEnd type="none" w="med" len="med"/>
+                      <a:tailEnd type="none" w="med" len="med"/>
+                    </a:lnB>
+                  </a:tcPr>
+                </a:tc>
+                <a:tc>
+                  <a:txBody>
+                    <a:bodyPr/>
+                    <a:lstStyle/>
+                    <a:p>
+                      <a:endParaRPr lang="ru-RU" dirty="0"/>
+                    </a:p>
+                  </a:txBody>
+                  <a:tcPr>
+                    <a:lnL w="12700" cap="flat" cmpd="sng" algn="ctr">
+                      <a:solidFill>
+                        <a:schemeClr val="tx1"/>
+                      </a:solidFill>
+                      <a:prstDash val="solid"/>
+                      <a:round/>
+                      <a:headEnd type="none" w="med" len="med"/>
+                      <a:tailEnd type="none" w="med" len="med"/>
+                    </a:lnL>
+                    <a:lnR w="12700" cap="flat" cmpd="sng" algn="ctr">
+                      <a:solidFill>
+                        <a:schemeClr val="tx1"/>
+                      </a:solidFill>
+                      <a:prstDash val="solid"/>
+                      <a:round/>
+                      <a:headEnd type="none" w="med" len="med"/>
+                      <a:tailEnd type="none" w="med" len="med"/>
+                    </a:lnR>
+                    <a:lnT w="12700" cap="flat" cmpd="sng" algn="ctr">
+                      <a:solidFill>
+                        <a:schemeClr val="tx1"/>
+                      </a:solidFill>
+                      <a:prstDash val="solid"/>
+                      <a:round/>
+                      <a:headEnd type="none" w="med" len="med"/>
+                      <a:tailEnd type="none" w="med" len="med"/>
+                    </a:lnT>
+                    <a:lnB w="12700" cap="flat" cmpd="sng" algn="ctr">
+                      <a:solidFill>
+                        <a:schemeClr val="tx1"/>
+                      </a:solidFill>
+                      <a:prstDash val="solid"/>
+                      <a:round/>
+                      <a:headEnd type="none" w="med" len="med"/>
+                      <a:tailEnd type="none" w="med" len="med"/>
+                    </a:lnB>
+                  </a:tcPr>
+                </a:tc>
+                <a:extLst>
+                  <a:ext uri="{0D108BD9-81ED-4DB2-BD59-A6C34878D82A}">
+                    <a16:rowId xmlns:a16="http://schemas.microsoft.com/office/drawing/2014/main" val="1534205009"/>
+                  </a:ext>
+                </a:extLst>
+              </a:tr>
+              <a:tr h="308516">
+                <a:tc>
+                  <a:txBody>
+                    <a:bodyPr/>
+                    <a:lstStyle/>
+                    <a:p>
+                      <a:endParaRPr lang="ru-RU" dirty="0"/>
+                    </a:p>
+                  </a:txBody>
+                  <a:tcPr>
+                    <a:lnL w="12700" cap="flat" cmpd="sng" algn="ctr">
+                      <a:solidFill>
+                        <a:schemeClr val="tx1"/>
+                      </a:solidFill>
+                      <a:prstDash val="solid"/>
+                      <a:round/>
+                      <a:headEnd type="none" w="med" len="med"/>
+                      <a:tailEnd type="none" w="med" len="med"/>
+                    </a:lnL>
+                    <a:lnR w="12700" cap="flat" cmpd="sng" algn="ctr">
+                      <a:solidFill>
+                        <a:schemeClr val="tx1"/>
+                      </a:solidFill>
+                      <a:prstDash val="solid"/>
+                      <a:round/>
+                      <a:headEnd type="none" w="med" len="med"/>
+                      <a:tailEnd type="none" w="med" len="med"/>
+                    </a:lnR>
+                    <a:lnT w="12700" cap="flat" cmpd="sng" algn="ctr">
+                      <a:solidFill>
+                        <a:schemeClr val="tx1"/>
+                      </a:solidFill>
+                      <a:prstDash val="solid"/>
+                      <a:round/>
+                      <a:headEnd type="none" w="med" len="med"/>
+                      <a:tailEnd type="none" w="med" len="med"/>
+                    </a:lnT>
+                    <a:lnB w="12700" cap="flat" cmpd="sng" algn="ctr">
+                      <a:solidFill>
+                        <a:schemeClr val="tx1"/>
+                      </a:solidFill>
+                      <a:prstDash val="solid"/>
+                      <a:round/>
+                      <a:headEnd type="none" w="med" len="med"/>
+                      <a:tailEnd type="none" w="med" len="med"/>
+                    </a:lnB>
+                  </a:tcPr>
+                </a:tc>
+                <a:tc>
+                  <a:txBody>
+                    <a:bodyPr/>
+                    <a:lstStyle/>
+                    <a:p>
+                      <a:endParaRPr lang="ru-RU" dirty="0"/>
+                    </a:p>
+                  </a:txBody>
+                  <a:tcPr>
+                    <a:lnL w="12700" cap="flat" cmpd="sng" algn="ctr">
+                      <a:solidFill>
+                        <a:schemeClr val="tx1"/>
+                      </a:solidFill>
+                      <a:prstDash val="solid"/>
+                      <a:round/>
+                      <a:headEnd type="none" w="med" len="med"/>
+                      <a:tailEnd type="none" w="med" len="med"/>
+                    </a:lnL>
+                    <a:lnR w="12700" cap="flat" cmpd="sng" algn="ctr">
+                      <a:solidFill>
+                        <a:schemeClr val="tx1"/>
+                      </a:solidFill>
+                      <a:prstDash val="solid"/>
+                      <a:round/>
+                      <a:headEnd type="none" w="med" len="med"/>
+                      <a:tailEnd type="none" w="med" len="med"/>
+                    </a:lnR>
+                    <a:lnT w="12700" cap="flat" cmpd="sng" algn="ctr">
+                      <a:solidFill>
+                        <a:schemeClr val="tx1"/>
+                      </a:solidFill>
+                      <a:prstDash val="solid"/>
+                      <a:round/>
+                      <a:headEnd type="none" w="med" len="med"/>
+                      <a:tailEnd type="none" w="med" len="med"/>
+                    </a:lnT>
+                    <a:lnB w="12700" cap="flat" cmpd="sng" algn="ctr">
+                      <a:solidFill>
+                        <a:schemeClr val="tx1"/>
+                      </a:solidFill>
+                      <a:prstDash val="solid"/>
+                      <a:round/>
+                      <a:headEnd type="none" w="med" len="med"/>
+                      <a:tailEnd type="none" w="med" len="med"/>
+                    </a:lnB>
+                  </a:tcPr>
+                </a:tc>
+                <a:extLst>
+                  <a:ext uri="{0D108BD9-81ED-4DB2-BD59-A6C34878D82A}">
+                    <a16:rowId xmlns:a16="http://schemas.microsoft.com/office/drawing/2014/main" val="255155417"/>
+                  </a:ext>
+                </a:extLst>
+              </a:tr>
+            </a:tbl>
+          </a:graphicData>
+        </a:graphic>
+      </p:graphicFrame>
+    </p:spTree>
+    <p:extLst>
+      <p:ext uri="{BB962C8B-B14F-4D97-AF65-F5344CB8AC3E}">
+        <p14:creationId xmlns:p14="http://schemas.microsoft.com/office/powerpoint/2010/main" val="2430902949"/>
+      </p:ext>
+    </p:extLst>
+  </p:cSld>
+  <p:clrMapOvr>
+    <a:masterClrMapping/>
+  </p:clrMapOvr>
+</p:sld>
+</file>
+
+<file path=ppt/slides/slide6.xml><?xml version="1.0" encoding="utf-8"?>
+<p:sld xmlns:a="http://schemas.openxmlformats.org/drawingml/2006/main" xmlns:r="http://schemas.openxmlformats.org/officeDocument/2006/relationships" xmlns:p="http://schemas.openxmlformats.org/presentationml/2006/main">
+  <p:cSld>
+    <p:spTree>
+      <p:nvGrpSpPr>
+        <p:cNvPr id="1" name=""/>
+        <p:cNvGrpSpPr/>
+        <p:nvPr/>
+      </p:nvGrpSpPr>
+      <p:grpSpPr>
+        <a:xfrm>
+          <a:off x="0" y="0"/>
+          <a:ext cx="0" cy="0"/>
+          <a:chOff x="0" y="0"/>
+          <a:chExt cx="0" cy="0"/>
+        </a:xfrm>
+      </p:grpSpPr>
+      <p:sp>
+        <p:nvSpPr>
+          <p:cNvPr id="2" name="Заголовок 1">
+            <a:extLst>
+              <a:ext uri="{FF2B5EF4-FFF2-40B4-BE49-F238E27FC236}">
+                <a16:creationId xmlns:a16="http://schemas.microsoft.com/office/drawing/2014/main" id="{2FF5B0DF-5976-4475-8909-F0C1359DA68B}"/>
+              </a:ext>
+            </a:extLst>
+          </p:cNvPr>
+          <p:cNvSpPr>
+            <a:spLocks noGrp="1"/>
+          </p:cNvSpPr>
+          <p:nvPr>
+            <p:ph type="title"/>
+          </p:nvPr>
+        </p:nvSpPr>
+        <p:spPr/>
+        <p:txBody>
+          <a:bodyPr/>
+          <a:lstStyle/>
+          <a:p>
+            <a:pPr algn="ctr"/>
+            <a:r>
+              <a:rPr lang="uz-Cyrl-UZ" dirty="0"/>
+              <a:t>Меню (для докторов)</a:t>
+            </a:r>
+            <a:endParaRPr lang="ru-RU" dirty="0"/>
+          </a:p>
+        </p:txBody>
+      </p:sp>
+      <p:graphicFrame>
+        <p:nvGraphicFramePr>
+          <p:cNvPr id="4" name="Таблица 4">
+            <a:extLst>
+              <a:ext uri="{FF2B5EF4-FFF2-40B4-BE49-F238E27FC236}">
+                <a16:creationId xmlns:a16="http://schemas.microsoft.com/office/drawing/2014/main" id="{068F1E0F-891B-49A4-8288-331F18838ADC}"/>
+              </a:ext>
+            </a:extLst>
+          </p:cNvPr>
+          <p:cNvGraphicFramePr>
+            <a:graphicFrameLocks noGrp="1"/>
+          </p:cNvGraphicFramePr>
+          <p:nvPr>
+            <p:extLst>
+              <p:ext uri="{D42A27DB-BD31-4B8C-83A1-F6EECF244321}">
+                <p14:modId xmlns:p14="http://schemas.microsoft.com/office/powerpoint/2010/main" val="1937029426"/>
+              </p:ext>
+            </p:extLst>
+          </p:nvPr>
+        </p:nvGraphicFramePr>
+        <p:xfrm>
+          <a:off x="380619" y="1675406"/>
+          <a:ext cx="11206330" cy="3108960"/>
+        </p:xfrm>
+        <a:graphic>
+          <a:graphicData uri="http://schemas.openxmlformats.org/drawingml/2006/table">
+            <a:tbl>
+              <a:tblPr firstRow="1" bandRow="1">
+                <a:tableStyleId>{2D5ABB26-0587-4C30-8999-92F81FD0307C}</a:tableStyleId>
+              </a:tblPr>
+              <a:tblGrid>
+                <a:gridCol w="2567297">
+                  <a:extLst>
+                    <a:ext uri="{9D8B030D-6E8A-4147-A177-3AD203B41FA5}">
+                      <a16:colId xmlns:a16="http://schemas.microsoft.com/office/drawing/2014/main" val="324926100"/>
+                    </a:ext>
+                  </a:extLst>
+                </a:gridCol>
+                <a:gridCol w="8639033">
+                  <a:extLst>
+                    <a:ext uri="{9D8B030D-6E8A-4147-A177-3AD203B41FA5}">
+                      <a16:colId xmlns:a16="http://schemas.microsoft.com/office/drawing/2014/main" val="1749414321"/>
+                    </a:ext>
+                  </a:extLst>
+                </a:gridCol>
+              </a:tblGrid>
+              <a:tr h="308516">
+                <a:tc>
+                  <a:txBody>
+                    <a:bodyPr/>
+                    <a:lstStyle/>
+                    <a:p>
+                      <a:pPr algn="ctr"/>
+                      <a:r>
+                        <a:rPr lang="uz-Cyrl-UZ" b="1" dirty="0"/>
+                        <a:t>Меню</a:t>
+                      </a:r>
+                      <a:endParaRPr lang="ru-RU" b="1" dirty="0"/>
+                    </a:p>
+                  </a:txBody>
+                  <a:tcPr>
+                    <a:lnL w="12700" cap="flat" cmpd="sng" algn="ctr">
+                      <a:solidFill>
+                        <a:schemeClr val="tx1"/>
+                      </a:solidFill>
+                      <a:prstDash val="solid"/>
+                      <a:round/>
+                      <a:headEnd type="none" w="med" len="med"/>
+                      <a:tailEnd type="none" w="med" len="med"/>
+                    </a:lnL>
+                    <a:lnR w="12700" cap="flat" cmpd="sng" algn="ctr">
+                      <a:solidFill>
+                        <a:schemeClr val="tx1"/>
+                      </a:solidFill>
+                      <a:prstDash val="solid"/>
+                      <a:round/>
+                      <a:headEnd type="none" w="med" len="med"/>
+                      <a:tailEnd type="none" w="med" len="med"/>
+                    </a:lnR>
+                    <a:lnT w="12700" cap="flat" cmpd="sng" algn="ctr">
+                      <a:solidFill>
+                        <a:schemeClr val="tx1"/>
+                      </a:solidFill>
+                      <a:prstDash val="solid"/>
+                      <a:round/>
+                      <a:headEnd type="none" w="med" len="med"/>
+                      <a:tailEnd type="none" w="med" len="med"/>
+                    </a:lnT>
+                    <a:lnB w="12700" cap="flat" cmpd="sng" algn="ctr">
+                      <a:solidFill>
+                        <a:schemeClr val="tx1"/>
+                      </a:solidFill>
+                      <a:prstDash val="solid"/>
+                      <a:round/>
+                      <a:headEnd type="none" w="med" len="med"/>
+                      <a:tailEnd type="none" w="med" len="med"/>
+                    </a:lnB>
+                  </a:tcPr>
+                </a:tc>
+                <a:tc>
+                  <a:txBody>
+                    <a:bodyPr/>
+                    <a:lstStyle/>
+                    <a:p>
+                      <a:pPr algn="ctr"/>
+                      <a:r>
+                        <a:rPr lang="uz-Cyrl-UZ" b="1" dirty="0"/>
+                        <a:t>Изоҳ</a:t>
+                      </a:r>
+                      <a:endParaRPr lang="ru-RU" b="1" dirty="0"/>
+                    </a:p>
+                  </a:txBody>
+                  <a:tcPr>
+                    <a:lnL w="12700" cap="flat" cmpd="sng" algn="ctr">
+                      <a:solidFill>
+                        <a:schemeClr val="tx1"/>
+                      </a:solidFill>
+                      <a:prstDash val="solid"/>
+                      <a:round/>
+                      <a:headEnd type="none" w="med" len="med"/>
+                      <a:tailEnd type="none" w="med" len="med"/>
+                    </a:lnL>
+                    <a:lnR w="12700" cap="flat" cmpd="sng" algn="ctr">
+                      <a:solidFill>
+                        <a:schemeClr val="tx1"/>
+                      </a:solidFill>
+                      <a:prstDash val="solid"/>
+                      <a:round/>
+                      <a:headEnd type="none" w="med" len="med"/>
+                      <a:tailEnd type="none" w="med" len="med"/>
+                    </a:lnR>
+                    <a:lnT w="12700" cap="flat" cmpd="sng" algn="ctr">
+                      <a:solidFill>
+                        <a:schemeClr val="tx1"/>
+                      </a:solidFill>
+                      <a:prstDash val="solid"/>
+                      <a:round/>
+                      <a:headEnd type="none" w="med" len="med"/>
+                      <a:tailEnd type="none" w="med" len="med"/>
+                    </a:lnT>
+                    <a:lnB w="12700" cap="flat" cmpd="sng" algn="ctr">
+                      <a:solidFill>
+                        <a:schemeClr val="tx1"/>
+                      </a:solidFill>
+                      <a:prstDash val="solid"/>
+                      <a:round/>
+                      <a:headEnd type="none" w="med" len="med"/>
+                      <a:tailEnd type="none" w="med" len="med"/>
+                    </a:lnB>
+                  </a:tcPr>
+                </a:tc>
+                <a:extLst>
+                  <a:ext uri="{0D108BD9-81ED-4DB2-BD59-A6C34878D82A}">
+                    <a16:rowId xmlns:a16="http://schemas.microsoft.com/office/drawing/2014/main" val="1444431637"/>
+                  </a:ext>
+                </a:extLst>
+              </a:tr>
+              <a:tr h="308516">
+                <a:tc>
+                  <a:txBody>
+                    <a:bodyPr/>
+                    <a:lstStyle/>
+                    <a:p>
+                      <a:r>
+                        <a:rPr lang="uz-Cyrl-UZ" dirty="0">
+                          <a:hlinkClick r:id="rId2" action="ppaction://hlinksldjump"/>
+                        </a:rPr>
+                        <a:t>Анализы</a:t>
+                      </a:r>
+                      <a:r>
+                        <a:rPr lang="uz-Cyrl-UZ" dirty="0"/>
+                        <a:t> </a:t>
+                      </a:r>
+                      <a:endParaRPr lang="ru-RU" dirty="0"/>
+                    </a:p>
+                  </a:txBody>
+                  <a:tcPr>
+                    <a:lnL w="12700" cap="flat" cmpd="sng" algn="ctr">
+                      <a:solidFill>
+                        <a:schemeClr val="tx1"/>
+                      </a:solidFill>
+                      <a:prstDash val="solid"/>
+                      <a:round/>
+                      <a:headEnd type="none" w="med" len="med"/>
+                      <a:tailEnd type="none" w="med" len="med"/>
+                    </a:lnL>
+                    <a:lnR w="12700" cap="flat" cmpd="sng" algn="ctr">
+                      <a:solidFill>
+                        <a:schemeClr val="tx1"/>
+                      </a:solidFill>
+                      <a:prstDash val="solid"/>
+                      <a:round/>
+                      <a:headEnd type="none" w="med" len="med"/>
+                      <a:tailEnd type="none" w="med" len="med"/>
+                    </a:lnR>
+                    <a:lnT w="12700" cap="flat" cmpd="sng" algn="ctr">
+                      <a:solidFill>
+                        <a:schemeClr val="tx1"/>
+                      </a:solidFill>
+                      <a:prstDash val="solid"/>
+                      <a:round/>
+                      <a:headEnd type="none" w="med" len="med"/>
+                      <a:tailEnd type="none" w="med" len="med"/>
+                    </a:lnT>
+                    <a:lnB w="12700" cap="flat" cmpd="sng" algn="ctr">
+                      <a:solidFill>
+                        <a:schemeClr val="tx1"/>
+                      </a:solidFill>
+                      <a:prstDash val="solid"/>
+                      <a:round/>
+                      <a:headEnd type="none" w="med" len="med"/>
+                      <a:tailEnd type="none" w="med" len="med"/>
+                    </a:lnB>
+                  </a:tcPr>
+                </a:tc>
+                <a:tc>
+                  <a:txBody>
+                    <a:bodyPr/>
+                    <a:lstStyle/>
+                    <a:p>
+                      <a:r>
+                        <a:rPr lang="ru-RU" dirty="0"/>
+                        <a:t>Введется информацию о здоровье пользователя (описание, изображение, дата)</a:t>
+                      </a:r>
+                    </a:p>
+                  </a:txBody>
+                  <a:tcPr>
+                    <a:lnL w="12700" cap="flat" cmpd="sng" algn="ctr">
+                      <a:solidFill>
+                        <a:schemeClr val="tx1"/>
+                      </a:solidFill>
+                      <a:prstDash val="solid"/>
+                      <a:round/>
+                      <a:headEnd type="none" w="med" len="med"/>
+                      <a:tailEnd type="none" w="med" len="med"/>
+                    </a:lnL>
+                    <a:lnR w="12700" cap="flat" cmpd="sng" algn="ctr">
+                      <a:solidFill>
+                        <a:schemeClr val="tx1"/>
+                      </a:solidFill>
+                      <a:prstDash val="solid"/>
+                      <a:round/>
+                      <a:headEnd type="none" w="med" len="med"/>
+                      <a:tailEnd type="none" w="med" len="med"/>
+                    </a:lnR>
+                    <a:lnT w="12700" cap="flat" cmpd="sng" algn="ctr">
+                      <a:solidFill>
+                        <a:schemeClr val="tx1"/>
+                      </a:solidFill>
+                      <a:prstDash val="solid"/>
+                      <a:round/>
+                      <a:headEnd type="none" w="med" len="med"/>
+                      <a:tailEnd type="none" w="med" len="med"/>
+                    </a:lnT>
+                    <a:lnB w="12700" cap="flat" cmpd="sng" algn="ctr">
+                      <a:solidFill>
+                        <a:schemeClr val="tx1"/>
+                      </a:solidFill>
+                      <a:prstDash val="solid"/>
+                      <a:round/>
+                      <a:headEnd type="none" w="med" len="med"/>
+                      <a:tailEnd type="none" w="med" len="med"/>
+                    </a:lnB>
+                  </a:tcPr>
+                </a:tc>
+                <a:extLst>
+                  <a:ext uri="{0D108BD9-81ED-4DB2-BD59-A6C34878D82A}">
+                    <a16:rowId xmlns:a16="http://schemas.microsoft.com/office/drawing/2014/main" val="113361725"/>
+                  </a:ext>
+                </a:extLst>
+              </a:tr>
+              <a:tr h="308516">
+                <a:tc>
+                  <a:txBody>
+                    <a:bodyPr/>
+                    <a:lstStyle/>
+                    <a:p>
+                      <a:r>
+                        <a:rPr lang="uz-Cyrl-UZ" dirty="0"/>
+                        <a:t>Информация о докторе</a:t>
+                      </a:r>
+                      <a:endParaRPr lang="ru-RU" dirty="0"/>
+                    </a:p>
+                  </a:txBody>
+                  <a:tcPr>
+                    <a:lnL w="12700" cap="flat" cmpd="sng" algn="ctr">
+                      <a:solidFill>
+                        <a:schemeClr val="tx1"/>
+                      </a:solidFill>
+                      <a:prstDash val="solid"/>
+                      <a:round/>
+                      <a:headEnd type="none" w="med" len="med"/>
+                      <a:tailEnd type="none" w="med" len="med"/>
+                    </a:lnL>
+                    <a:lnR w="12700" cap="flat" cmpd="sng" algn="ctr">
+                      <a:solidFill>
+                        <a:schemeClr val="tx1"/>
+                      </a:solidFill>
+                      <a:prstDash val="solid"/>
+                      <a:round/>
+                      <a:headEnd type="none" w="med" len="med"/>
+                      <a:tailEnd type="none" w="med" len="med"/>
+                    </a:lnR>
+                    <a:lnT w="12700" cap="flat" cmpd="sng" algn="ctr">
+                      <a:solidFill>
+                        <a:schemeClr val="tx1"/>
+                      </a:solidFill>
+                      <a:prstDash val="solid"/>
+                      <a:round/>
+                      <a:headEnd type="none" w="med" len="med"/>
+                      <a:tailEnd type="none" w="med" len="med"/>
+                    </a:lnT>
+                    <a:lnB w="12700" cap="flat" cmpd="sng" algn="ctr">
+                      <a:solidFill>
+                        <a:schemeClr val="tx1"/>
+                      </a:solidFill>
+                      <a:prstDash val="solid"/>
+                      <a:round/>
+                      <a:headEnd type="none" w="med" len="med"/>
+                      <a:tailEnd type="none" w="med" len="med"/>
+                    </a:lnB>
+                  </a:tcPr>
+                </a:tc>
+                <a:tc>
+                  <a:txBody>
+                    <a:bodyPr/>
+                    <a:lstStyle/>
+                    <a:p>
+                      <a:r>
+                        <a:rPr lang="ru-RU" dirty="0"/>
+                        <a:t>Здесь врачи загружают документы, подтверждающие их докторскую степень. Администратор сайта добавляет пользователя в группу врачей на основе загруженных документов. Все пользователи будут иметь доступ к информации врача.</a:t>
+                      </a:r>
+                    </a:p>
+                  </a:txBody>
+                  <a:tcPr>
+                    <a:lnL w="12700" cap="flat" cmpd="sng" algn="ctr">
+                      <a:solidFill>
+                        <a:schemeClr val="tx1"/>
+                      </a:solidFill>
+                      <a:prstDash val="solid"/>
+                      <a:round/>
+                      <a:headEnd type="none" w="med" len="med"/>
+                      <a:tailEnd type="none" w="med" len="med"/>
+                    </a:lnL>
+                    <a:lnR w="12700" cap="flat" cmpd="sng" algn="ctr">
+                      <a:solidFill>
+                        <a:schemeClr val="tx1"/>
+                      </a:solidFill>
+                      <a:prstDash val="solid"/>
+                      <a:round/>
+                      <a:headEnd type="none" w="med" len="med"/>
+                      <a:tailEnd type="none" w="med" len="med"/>
+                    </a:lnR>
+                    <a:lnT w="12700" cap="flat" cmpd="sng" algn="ctr">
+                      <a:solidFill>
+                        <a:schemeClr val="tx1"/>
+                      </a:solidFill>
+                      <a:prstDash val="solid"/>
+                      <a:round/>
+                      <a:headEnd type="none" w="med" len="med"/>
+                      <a:tailEnd type="none" w="med" len="med"/>
+                    </a:lnT>
+                    <a:lnB w="12700" cap="flat" cmpd="sng" algn="ctr">
+                      <a:solidFill>
+                        <a:schemeClr val="tx1"/>
+                      </a:solidFill>
+                      <a:prstDash val="solid"/>
+                      <a:round/>
+                      <a:headEnd type="none" w="med" len="med"/>
+                      <a:tailEnd type="none" w="med" len="med"/>
+                    </a:lnB>
+                  </a:tcPr>
+                </a:tc>
+                <a:extLst>
+                  <a:ext uri="{0D108BD9-81ED-4DB2-BD59-A6C34878D82A}">
+                    <a16:rowId xmlns:a16="http://schemas.microsoft.com/office/drawing/2014/main" val="2909321219"/>
+                  </a:ext>
+                </a:extLst>
+              </a:tr>
+              <a:tr h="308516">
+                <a:tc>
+                  <a:txBody>
+                    <a:bodyPr/>
+                    <a:lstStyle/>
+                    <a:p>
+                      <a:r>
+                        <a:rPr lang="uz-Cyrl-UZ" dirty="0">
+                          <a:hlinkClick r:id="rId3" action="ppaction://hlinksldjump"/>
+                        </a:rPr>
+                        <a:t>Список пользователей</a:t>
+                      </a:r>
+                      <a:endParaRPr lang="ru-RU" dirty="0"/>
+                    </a:p>
+                  </a:txBody>
+                  <a:tcPr>
+                    <a:lnL w="12700" cap="flat" cmpd="sng" algn="ctr">
+                      <a:solidFill>
+                        <a:schemeClr val="tx1"/>
+                      </a:solidFill>
+                      <a:prstDash val="solid"/>
+                      <a:round/>
+                      <a:headEnd type="none" w="med" len="med"/>
+                      <a:tailEnd type="none" w="med" len="med"/>
+                    </a:lnL>
+                    <a:lnR w="12700" cap="flat" cmpd="sng" algn="ctr">
+                      <a:solidFill>
+                        <a:schemeClr val="tx1"/>
+                      </a:solidFill>
+                      <a:prstDash val="solid"/>
+                      <a:round/>
+                      <a:headEnd type="none" w="med" len="med"/>
+                      <a:tailEnd type="none" w="med" len="med"/>
+                    </a:lnR>
+                    <a:lnT w="12700" cap="flat" cmpd="sng" algn="ctr">
+                      <a:solidFill>
+                        <a:schemeClr val="tx1"/>
+                      </a:solidFill>
+                      <a:prstDash val="solid"/>
+                      <a:round/>
+                      <a:headEnd type="none" w="med" len="med"/>
+                      <a:tailEnd type="none" w="med" len="med"/>
+                    </a:lnT>
+                    <a:lnB w="12700" cap="flat" cmpd="sng" algn="ctr">
+                      <a:solidFill>
+                        <a:schemeClr val="tx1"/>
+                      </a:solidFill>
+                      <a:prstDash val="solid"/>
+                      <a:round/>
+                      <a:headEnd type="none" w="med" len="med"/>
+                      <a:tailEnd type="none" w="med" len="med"/>
+                    </a:lnB>
+                  </a:tcPr>
+                </a:tc>
+                <a:tc>
+                  <a:txBody>
+                    <a:bodyPr/>
+                    <a:lstStyle/>
+                    <a:p>
+                      <a:r>
+                        <a:rPr lang="ru-RU" dirty="0"/>
+                        <a:t>Из этого списка врач найдет нужного ему пациента.</a:t>
+                      </a:r>
+                    </a:p>
+                  </a:txBody>
+                  <a:tcPr>
+                    <a:lnL w="12700" cap="flat" cmpd="sng" algn="ctr">
+                      <a:solidFill>
+                        <a:schemeClr val="tx1"/>
+                      </a:solidFill>
+                      <a:prstDash val="solid"/>
+                      <a:round/>
+                      <a:headEnd type="none" w="med" len="med"/>
+                      <a:tailEnd type="none" w="med" len="med"/>
+                    </a:lnL>
+                    <a:lnR w="12700" cap="flat" cmpd="sng" algn="ctr">
+                      <a:solidFill>
+                        <a:schemeClr val="tx1"/>
+                      </a:solidFill>
+                      <a:prstDash val="solid"/>
+                      <a:round/>
+                      <a:headEnd type="none" w="med" len="med"/>
+                      <a:tailEnd type="none" w="med" len="med"/>
+                    </a:lnR>
+                    <a:lnT w="12700" cap="flat" cmpd="sng" algn="ctr">
+                      <a:solidFill>
+                        <a:schemeClr val="tx1"/>
+                      </a:solidFill>
+                      <a:prstDash val="solid"/>
+                      <a:round/>
+                      <a:headEnd type="none" w="med" len="med"/>
+                      <a:tailEnd type="none" w="med" len="med"/>
+                    </a:lnT>
+                    <a:lnB w="12700" cap="flat" cmpd="sng" algn="ctr">
+                      <a:solidFill>
+                        <a:schemeClr val="tx1"/>
+                      </a:solidFill>
+                      <a:prstDash val="solid"/>
+                      <a:round/>
+                      <a:headEnd type="none" w="med" len="med"/>
+                      <a:tailEnd type="none" w="med" len="med"/>
+                    </a:lnB>
+                  </a:tcPr>
+                </a:tc>
+                <a:extLst>
+                  <a:ext uri="{0D108BD9-81ED-4DB2-BD59-A6C34878D82A}">
+                    <a16:rowId xmlns:a16="http://schemas.microsoft.com/office/drawing/2014/main" val="2807525101"/>
+                  </a:ext>
+                </a:extLst>
+              </a:tr>
+              <a:tr h="308516">
+                <a:tc>
+                  <a:txBody>
+                    <a:bodyPr/>
+                    <a:lstStyle/>
+                    <a:p>
+                      <a:r>
+                        <a:rPr lang="uz-Cyrl-UZ" dirty="0"/>
+                        <a:t>Рекомендации врачей</a:t>
+                      </a:r>
+                      <a:endParaRPr lang="ru-RU" dirty="0"/>
+                    </a:p>
+                  </a:txBody>
+                  <a:tcPr>
+                    <a:lnL w="12700" cap="flat" cmpd="sng" algn="ctr">
+                      <a:solidFill>
+                        <a:schemeClr val="tx1"/>
+                      </a:solidFill>
+                      <a:prstDash val="solid"/>
+                      <a:round/>
+                      <a:headEnd type="none" w="med" len="med"/>
+                      <a:tailEnd type="none" w="med" len="med"/>
+                    </a:lnL>
+                    <a:lnR w="12700" cap="flat" cmpd="sng" algn="ctr">
+                      <a:solidFill>
+                        <a:schemeClr val="tx1"/>
+                      </a:solidFill>
+                      <a:prstDash val="solid"/>
+                      <a:round/>
+                      <a:headEnd type="none" w="med" len="med"/>
+                      <a:tailEnd type="none" w="med" len="med"/>
+                    </a:lnR>
+                    <a:lnT w="12700" cap="flat" cmpd="sng" algn="ctr">
+                      <a:solidFill>
+                        <a:schemeClr val="tx1"/>
+                      </a:solidFill>
+                      <a:prstDash val="solid"/>
+                      <a:round/>
+                      <a:headEnd type="none" w="med" len="med"/>
+                      <a:tailEnd type="none" w="med" len="med"/>
+                    </a:lnT>
+                    <a:lnB w="12700" cap="flat" cmpd="sng" algn="ctr">
+                      <a:solidFill>
+                        <a:schemeClr val="tx1"/>
+                      </a:solidFill>
+                      <a:prstDash val="solid"/>
+                      <a:round/>
+                      <a:headEnd type="none" w="med" len="med"/>
+                      <a:tailEnd type="none" w="med" len="med"/>
+                    </a:lnB>
+                  </a:tcPr>
+                </a:tc>
+                <a:tc>
+                  <a:txBody>
+                    <a:bodyPr/>
+                    <a:lstStyle/>
+                    <a:p>
+                      <a:endParaRPr lang="ru-RU" dirty="0"/>
+                    </a:p>
+                  </a:txBody>
+                  <a:tcPr>
+                    <a:lnL w="12700" cap="flat" cmpd="sng" algn="ctr">
+                      <a:solidFill>
+                        <a:schemeClr val="tx1"/>
+                      </a:solidFill>
+                      <a:prstDash val="solid"/>
+                      <a:round/>
+                      <a:headEnd type="none" w="med" len="med"/>
+                      <a:tailEnd type="none" w="med" len="med"/>
+                    </a:lnL>
+                    <a:lnR w="12700" cap="flat" cmpd="sng" algn="ctr">
+                      <a:solidFill>
+                        <a:schemeClr val="tx1"/>
+                      </a:solidFill>
+                      <a:prstDash val="solid"/>
+                      <a:round/>
+                      <a:headEnd type="none" w="med" len="med"/>
+                      <a:tailEnd type="none" w="med" len="med"/>
+                    </a:lnR>
+                    <a:lnT w="12700" cap="flat" cmpd="sng" algn="ctr">
+                      <a:solidFill>
+                        <a:schemeClr val="tx1"/>
+                      </a:solidFill>
+                      <a:prstDash val="solid"/>
+                      <a:round/>
+                      <a:headEnd type="none" w="med" len="med"/>
+                      <a:tailEnd type="none" w="med" len="med"/>
+                    </a:lnT>
+                    <a:lnB w="12700" cap="flat" cmpd="sng" algn="ctr">
+                      <a:solidFill>
+                        <a:schemeClr val="tx1"/>
+                      </a:solidFill>
+                      <a:prstDash val="solid"/>
+                      <a:round/>
+                      <a:headEnd type="none" w="med" len="med"/>
+                      <a:tailEnd type="none" w="med" len="med"/>
+                    </a:lnB>
+                  </a:tcPr>
+                </a:tc>
+                <a:extLst>
+                  <a:ext uri="{0D108BD9-81ED-4DB2-BD59-A6C34878D82A}">
+                    <a16:rowId xmlns:a16="http://schemas.microsoft.com/office/drawing/2014/main" val="2017660426"/>
+                  </a:ext>
+                </a:extLst>
+              </a:tr>
+              <a:tr h="308516">
+                <a:tc>
+                  <a:txBody>
+                    <a:bodyPr/>
+                    <a:lstStyle/>
+                    <a:p>
+                      <a:endParaRPr lang="ru-RU" dirty="0"/>
+                    </a:p>
+                  </a:txBody>
+                  <a:tcPr>
+                    <a:lnL w="12700" cap="flat" cmpd="sng" algn="ctr">
+                      <a:solidFill>
+                        <a:schemeClr val="tx1"/>
+                      </a:solidFill>
+                      <a:prstDash val="solid"/>
+                      <a:round/>
+                      <a:headEnd type="none" w="med" len="med"/>
+                      <a:tailEnd type="none" w="med" len="med"/>
+                    </a:lnL>
+                    <a:lnR w="12700" cap="flat" cmpd="sng" algn="ctr">
+                      <a:solidFill>
+                        <a:schemeClr val="tx1"/>
+                      </a:solidFill>
+                      <a:prstDash val="solid"/>
+                      <a:round/>
+                      <a:headEnd type="none" w="med" len="med"/>
+                      <a:tailEnd type="none" w="med" len="med"/>
+                    </a:lnR>
+                    <a:lnT w="12700" cap="flat" cmpd="sng" algn="ctr">
+                      <a:solidFill>
+                        <a:schemeClr val="tx1"/>
+                      </a:solidFill>
+                      <a:prstDash val="solid"/>
+                      <a:round/>
+                      <a:headEnd type="none" w="med" len="med"/>
+                      <a:tailEnd type="none" w="med" len="med"/>
+                    </a:lnT>
+                    <a:lnB w="12700" cap="flat" cmpd="sng" algn="ctr">
+                      <a:solidFill>
+                        <a:schemeClr val="tx1"/>
+                      </a:solidFill>
+                      <a:prstDash val="solid"/>
+                      <a:round/>
+                      <a:headEnd type="none" w="med" len="med"/>
+                      <a:tailEnd type="none" w="med" len="med"/>
+                    </a:lnB>
+                  </a:tcPr>
+                </a:tc>
+                <a:tc>
+                  <a:txBody>
+                    <a:bodyPr/>
+                    <a:lstStyle/>
+                    <a:p>
+                      <a:endParaRPr lang="ru-RU" dirty="0"/>
+                    </a:p>
+                  </a:txBody>
+                  <a:tcPr>
+                    <a:lnL w="12700" cap="flat" cmpd="sng" algn="ctr">
+                      <a:solidFill>
+                        <a:schemeClr val="tx1"/>
+                      </a:solidFill>
+                      <a:prstDash val="solid"/>
+                      <a:round/>
+                      <a:headEnd type="none" w="med" len="med"/>
+                      <a:tailEnd type="none" w="med" len="med"/>
+                    </a:lnL>
+                    <a:lnR w="12700" cap="flat" cmpd="sng" algn="ctr">
+                      <a:solidFill>
+                        <a:schemeClr val="tx1"/>
+                      </a:solidFill>
+                      <a:prstDash val="solid"/>
+                      <a:round/>
+                      <a:headEnd type="none" w="med" len="med"/>
+                      <a:tailEnd type="none" w="med" len="med"/>
+                    </a:lnR>
+                    <a:lnT w="12700" cap="flat" cmpd="sng" algn="ctr">
+                      <a:solidFill>
+                        <a:schemeClr val="tx1"/>
+                      </a:solidFill>
+                      <a:prstDash val="solid"/>
+                      <a:round/>
+                      <a:headEnd type="none" w="med" len="med"/>
+                      <a:tailEnd type="none" w="med" len="med"/>
+                    </a:lnT>
+                    <a:lnB w="12700" cap="flat" cmpd="sng" algn="ctr">
+                      <a:solidFill>
+                        <a:schemeClr val="tx1"/>
+                      </a:solidFill>
+                      <a:prstDash val="solid"/>
+                      <a:round/>
+                      <a:headEnd type="none" w="med" len="med"/>
+                      <a:tailEnd type="none" w="med" len="med"/>
+                    </a:lnB>
+                  </a:tcPr>
+                </a:tc>
+                <a:extLst>
+                  <a:ext uri="{0D108BD9-81ED-4DB2-BD59-A6C34878D82A}">
+                    <a16:rowId xmlns:a16="http://schemas.microsoft.com/office/drawing/2014/main" val="1534205009"/>
+                  </a:ext>
+                </a:extLst>
+              </a:tr>
+              <a:tr h="308516">
+                <a:tc>
+                  <a:txBody>
+                    <a:bodyPr/>
+                    <a:lstStyle/>
+                    <a:p>
+                      <a:endParaRPr lang="ru-RU" dirty="0"/>
+                    </a:p>
+                  </a:txBody>
+                  <a:tcPr>
+                    <a:lnL w="12700" cap="flat" cmpd="sng" algn="ctr">
+                      <a:solidFill>
+                        <a:schemeClr val="tx1"/>
+                      </a:solidFill>
+                      <a:prstDash val="solid"/>
+                      <a:round/>
+                      <a:headEnd type="none" w="med" len="med"/>
+                      <a:tailEnd type="none" w="med" len="med"/>
+                    </a:lnL>
+                    <a:lnR w="12700" cap="flat" cmpd="sng" algn="ctr">
+                      <a:solidFill>
+                        <a:schemeClr val="tx1"/>
+                      </a:solidFill>
+                      <a:prstDash val="solid"/>
+                      <a:round/>
+                      <a:headEnd type="none" w="med" len="med"/>
+                      <a:tailEnd type="none" w="med" len="med"/>
+                    </a:lnR>
+                    <a:lnT w="12700" cap="flat" cmpd="sng" algn="ctr">
+                      <a:solidFill>
+                        <a:schemeClr val="tx1"/>
+                      </a:solidFill>
+                      <a:prstDash val="solid"/>
+                      <a:round/>
+                      <a:headEnd type="none" w="med" len="med"/>
+                      <a:tailEnd type="none" w="med" len="med"/>
+                    </a:lnT>
+                    <a:lnB w="12700" cap="flat" cmpd="sng" algn="ctr">
+                      <a:solidFill>
+                        <a:schemeClr val="tx1"/>
+                      </a:solidFill>
+                      <a:prstDash val="solid"/>
+                      <a:round/>
+                      <a:headEnd type="none" w="med" len="med"/>
+                      <a:tailEnd type="none" w="med" len="med"/>
+                    </a:lnB>
+                  </a:tcPr>
+                </a:tc>
+                <a:tc>
+                  <a:txBody>
+                    <a:bodyPr/>
+                    <a:lstStyle/>
+                    <a:p>
+                      <a:endParaRPr lang="ru-RU" dirty="0"/>
+                    </a:p>
+                  </a:txBody>
+                  <a:tcPr>
+                    <a:lnL w="12700" cap="flat" cmpd="sng" algn="ctr">
+                      <a:solidFill>
+                        <a:schemeClr val="tx1"/>
+                      </a:solidFill>
+                      <a:prstDash val="solid"/>
+                      <a:round/>
+                      <a:headEnd type="none" w="med" len="med"/>
+                      <a:tailEnd type="none" w="med" len="med"/>
+                    </a:lnL>
+                    <a:lnR w="12700" cap="flat" cmpd="sng" algn="ctr">
+                      <a:solidFill>
+                        <a:schemeClr val="tx1"/>
+                      </a:solidFill>
+                      <a:prstDash val="solid"/>
+                      <a:round/>
+                      <a:headEnd type="none" w="med" len="med"/>
+                      <a:tailEnd type="none" w="med" len="med"/>
+                    </a:lnR>
+                    <a:lnT w="12700" cap="flat" cmpd="sng" algn="ctr">
+                      <a:solidFill>
+                        <a:schemeClr val="tx1"/>
+                      </a:solidFill>
+                      <a:prstDash val="solid"/>
+                      <a:round/>
+                      <a:headEnd type="none" w="med" len="med"/>
+                      <a:tailEnd type="none" w="med" len="med"/>
+                    </a:lnT>
+                    <a:lnB w="12700" cap="flat" cmpd="sng" algn="ctr">
+                      <a:solidFill>
+                        <a:schemeClr val="tx1"/>
+                      </a:solidFill>
+                      <a:prstDash val="solid"/>
+                      <a:round/>
+                      <a:headEnd type="none" w="med" len="med"/>
+                      <a:tailEnd type="none" w="med" len="med"/>
+                    </a:lnB>
+                  </a:tcPr>
+                </a:tc>
+                <a:extLst>
+                  <a:ext uri="{0D108BD9-81ED-4DB2-BD59-A6C34878D82A}">
+                    <a16:rowId xmlns:a16="http://schemas.microsoft.com/office/drawing/2014/main" val="255155417"/>
+                  </a:ext>
+                </a:extLst>
+              </a:tr>
+            </a:tbl>
+          </a:graphicData>
+        </a:graphic>
+      </p:graphicFrame>
+    </p:spTree>
+    <p:extLst>
+      <p:ext uri="{BB962C8B-B14F-4D97-AF65-F5344CB8AC3E}">
+        <p14:creationId xmlns:p14="http://schemas.microsoft.com/office/powerpoint/2010/main" val="2328221012"/>
+      </p:ext>
+    </p:extLst>
+  </p:cSld>
+  <p:clrMapOvr>
+    <a:masterClrMapping/>
+  </p:clrMapOvr>
+</p:sld>
+</file>
+
+<file path=ppt/slides/slide7.xml><?xml version="1.0" encoding="utf-8"?>
+<p:sld xmlns:a="http://schemas.openxmlformats.org/drawingml/2006/main" xmlns:r="http://schemas.openxmlformats.org/officeDocument/2006/relationships" xmlns:p="http://schemas.openxmlformats.org/presentationml/2006/main">
+  <p:cSld>
+    <p:spTree>
+      <p:nvGrpSpPr>
+        <p:cNvPr id="1" name=""/>
+        <p:cNvGrpSpPr/>
+        <p:nvPr/>
+      </p:nvGrpSpPr>
+      <p:grpSpPr>
+        <a:xfrm>
+          <a:off x="0" y="0"/>
+          <a:ext cx="0" cy="0"/>
+          <a:chOff x="0" y="0"/>
+          <a:chExt cx="0" cy="0"/>
+        </a:xfrm>
+      </p:grpSpPr>
+      <p:sp>
+        <p:nvSpPr>
+          <p:cNvPr id="2" name="Заголовок 1">
+            <a:extLst>
+              <a:ext uri="{FF2B5EF4-FFF2-40B4-BE49-F238E27FC236}">
+                <a16:creationId xmlns:a16="http://schemas.microsoft.com/office/drawing/2014/main" id="{058A5A7C-9C97-45EB-85CA-46980178478F}"/>
+              </a:ext>
+            </a:extLst>
+          </p:cNvPr>
+          <p:cNvSpPr>
+            <a:spLocks noGrp="1"/>
+          </p:cNvSpPr>
+          <p:nvPr>
+            <p:ph type="title"/>
+          </p:nvPr>
+        </p:nvSpPr>
+        <p:spPr/>
+        <p:txBody>
+          <a:bodyPr/>
+          <a:lstStyle/>
+          <a:p>
+            <a:r>
+              <a:rPr lang="uz-Cyrl-UZ" dirty="0"/>
+              <a:t>Форма для ввода информацию о здоровье</a:t>
+            </a:r>
+            <a:endParaRPr lang="ru-RU" dirty="0"/>
+          </a:p>
+        </p:txBody>
+      </p:sp>
+      <p:sp>
+        <p:nvSpPr>
+          <p:cNvPr id="4" name="Прямоугольник: скругленные углы 3">
+            <a:extLst>
+              <a:ext uri="{FF2B5EF4-FFF2-40B4-BE49-F238E27FC236}">
+                <a16:creationId xmlns:a16="http://schemas.microsoft.com/office/drawing/2014/main" id="{5C8E814B-CE12-4689-B8B1-4B11F908A894}"/>
+              </a:ext>
+            </a:extLst>
+          </p:cNvPr>
+          <p:cNvSpPr/>
+          <p:nvPr/>
+        </p:nvSpPr>
+        <p:spPr>
+          <a:xfrm>
+            <a:off x="4813110" y="5697459"/>
+            <a:ext cx="2565779" cy="533897"/>
+          </a:xfrm>
+          <a:prstGeom prst="roundRect">
+            <a:avLst/>
+          </a:prstGeom>
+        </p:spPr>
+        <p:style>
+          <a:lnRef idx="2">
+            <a:schemeClr val="accent6">
+              <a:shade val="50000"/>
+            </a:schemeClr>
+          </a:lnRef>
+          <a:fillRef idx="1">
+            <a:schemeClr val="accent6"/>
+          </a:fillRef>
+          <a:effectRef idx="0">
+            <a:schemeClr val="accent6"/>
+          </a:effectRef>
+          <a:fontRef idx="minor">
+            <a:schemeClr val="lt1"/>
+          </a:fontRef>
+        </p:style>
+        <p:txBody>
+          <a:bodyPr rtlCol="0" anchor="ctr"/>
+          <a:lstStyle/>
+          <a:p>
+            <a:pPr algn="ctr"/>
+            <a:r>
+              <a:rPr lang="uz-Cyrl-UZ" dirty="0"/>
+              <a:t>Сохранить</a:t>
+            </a:r>
+            <a:endParaRPr lang="ru-RU" dirty="0"/>
+          </a:p>
+        </p:txBody>
+      </p:sp>
+      <p:graphicFrame>
+        <p:nvGraphicFramePr>
+          <p:cNvPr id="5" name="Таблица 5">
+            <a:extLst>
+              <a:ext uri="{FF2B5EF4-FFF2-40B4-BE49-F238E27FC236}">
+                <a16:creationId xmlns:a16="http://schemas.microsoft.com/office/drawing/2014/main" id="{98BF9294-382B-411B-A051-81156DE9AE8F}"/>
+              </a:ext>
+            </a:extLst>
+          </p:cNvPr>
+          <p:cNvGraphicFramePr>
+            <a:graphicFrameLocks noGrp="1"/>
+          </p:cNvGraphicFramePr>
+          <p:nvPr>
+            <p:extLst>
+              <p:ext uri="{D42A27DB-BD31-4B8C-83A1-F6EECF244321}">
+                <p14:modId xmlns:p14="http://schemas.microsoft.com/office/powerpoint/2010/main" val="734622900"/>
+              </p:ext>
+            </p:extLst>
+          </p:nvPr>
+        </p:nvGraphicFramePr>
+        <p:xfrm>
+          <a:off x="2032000" y="1690688"/>
+          <a:ext cx="8128000" cy="741680"/>
+        </p:xfrm>
+        <a:graphic>
+          <a:graphicData uri="http://schemas.openxmlformats.org/drawingml/2006/table">
+            <a:tbl>
+              <a:tblPr firstRow="1" bandRow="1">
+                <a:tableStyleId>{2D5ABB26-0587-4C30-8999-92F81FD0307C}</a:tableStyleId>
+              </a:tblPr>
+              <a:tblGrid>
+                <a:gridCol w="1843965">
+                  <a:extLst>
+                    <a:ext uri="{9D8B030D-6E8A-4147-A177-3AD203B41FA5}">
+                      <a16:colId xmlns:a16="http://schemas.microsoft.com/office/drawing/2014/main" val="273538421"/>
+                    </a:ext>
+                  </a:extLst>
+                </a:gridCol>
+                <a:gridCol w="6284035">
+                  <a:extLst>
+                    <a:ext uri="{9D8B030D-6E8A-4147-A177-3AD203B41FA5}">
+                      <a16:colId xmlns:a16="http://schemas.microsoft.com/office/drawing/2014/main" val="3761503747"/>
+                    </a:ext>
+                  </a:extLst>
+                </a:gridCol>
+              </a:tblGrid>
+              <a:tr h="370840">
+                <a:tc>
+                  <a:txBody>
+                    <a:bodyPr/>
+                    <a:lstStyle/>
+                    <a:p>
+                      <a:r>
+                        <a:rPr lang="uz-Cyrl-UZ" dirty="0"/>
+                        <a:t>Описание</a:t>
+                      </a:r>
+                      <a:endParaRPr lang="ru-RU" dirty="0"/>
+                    </a:p>
+                  </a:txBody>
+                  <a:tcPr>
+                    <a:lnR w="12700" cap="flat" cmpd="sng" algn="ctr">
+                      <a:solidFill>
+                        <a:schemeClr val="tx1"/>
+                      </a:solidFill>
+                      <a:prstDash val="solid"/>
+                      <a:round/>
+                      <a:headEnd type="none" w="med" len="med"/>
+                      <a:tailEnd type="none" w="med" len="med"/>
+                    </a:lnR>
+                  </a:tcPr>
+                </a:tc>
+                <a:tc>
+                  <a:txBody>
+                    <a:bodyPr/>
+                    <a:lstStyle/>
+                    <a:p>
+                      <a:endParaRPr lang="ru-RU" dirty="0"/>
+                    </a:p>
+                  </a:txBody>
+                  <a:tcPr>
+                    <a:lnL w="12700" cap="flat" cmpd="sng" algn="ctr">
+                      <a:solidFill>
+                        <a:schemeClr val="tx1"/>
+                      </a:solidFill>
+                      <a:prstDash val="solid"/>
+                      <a:round/>
+                      <a:headEnd type="none" w="med" len="med"/>
+                      <a:tailEnd type="none" w="med" len="med"/>
+                    </a:lnL>
+                    <a:lnR w="12700" cap="flat" cmpd="sng" algn="ctr">
+                      <a:solidFill>
+                        <a:schemeClr val="tx1"/>
+                      </a:solidFill>
+                      <a:prstDash val="solid"/>
+                      <a:round/>
+                      <a:headEnd type="none" w="med" len="med"/>
+                      <a:tailEnd type="none" w="med" len="med"/>
+                    </a:lnR>
+                    <a:lnT w="12700" cap="flat" cmpd="sng" algn="ctr">
+                      <a:solidFill>
+                        <a:schemeClr val="tx1"/>
+                      </a:solidFill>
+                      <a:prstDash val="solid"/>
+                      <a:round/>
+                      <a:headEnd type="none" w="med" len="med"/>
+                      <a:tailEnd type="none" w="med" len="med"/>
+                    </a:lnT>
+                    <a:lnB w="12700" cap="flat" cmpd="sng" algn="ctr">
+                      <a:solidFill>
+                        <a:schemeClr val="tx1"/>
+                      </a:solidFill>
+                      <a:prstDash val="solid"/>
+                      <a:round/>
+                      <a:headEnd type="none" w="med" len="med"/>
+                      <a:tailEnd type="none" w="med" len="med"/>
+                    </a:lnB>
+                  </a:tcPr>
+                </a:tc>
+                <a:extLst>
+                  <a:ext uri="{0D108BD9-81ED-4DB2-BD59-A6C34878D82A}">
+                    <a16:rowId xmlns:a16="http://schemas.microsoft.com/office/drawing/2014/main" val="716179632"/>
+                  </a:ext>
+                </a:extLst>
+              </a:tr>
+              <a:tr h="370840">
+                <a:tc>
+                  <a:txBody>
+                    <a:bodyPr/>
+                    <a:lstStyle/>
+                    <a:p>
+                      <a:pPr algn="r"/>
+                      <a:endParaRPr lang="ru-RU" sz="1600" dirty="0"/>
+                    </a:p>
+                  </a:txBody>
+                  <a:tcPr/>
+                </a:tc>
+                <a:tc>
+                  <a:txBody>
+                    <a:bodyPr/>
+                    <a:lstStyle/>
+                    <a:p>
+                      <a:pPr marL="0" marR="0" lvl="0" indent="0" algn="r" defTabSz="914400" rtl="0" eaLnBrk="1" fontAlgn="auto" latinLnBrk="0" hangingPunct="1">
+                        <a:lnSpc>
+                          <a:spcPct val="100000"/>
+                        </a:lnSpc>
+                        <a:spcBef>
+                          <a:spcPts val="0"/>
+                        </a:spcBef>
+                        <a:spcAft>
+                          <a:spcPts val="0"/>
+                        </a:spcAft>
+                        <a:buClrTx/>
+                        <a:buSzTx/>
+                        <a:buFontTx/>
+                        <a:buNone/>
+                        <a:tabLst/>
+                        <a:defRPr/>
+                      </a:pPr>
+                      <a:r>
+                        <a:rPr lang="ru-RU" sz="1600" dirty="0"/>
+                        <a:t>В эту ячейку добавляет комментарий о болезни клиента</a:t>
+                      </a:r>
+                    </a:p>
+                  </a:txBody>
+                  <a:tcPr>
+                    <a:lnT w="12700" cap="flat" cmpd="sng" algn="ctr">
+                      <a:solidFill>
+                        <a:schemeClr val="tx1"/>
+                      </a:solidFill>
+                      <a:prstDash val="solid"/>
+                      <a:round/>
+                      <a:headEnd type="none" w="med" len="med"/>
+                      <a:tailEnd type="none" w="med" len="med"/>
+                    </a:lnT>
+                  </a:tcPr>
+                </a:tc>
+                <a:extLst>
+                  <a:ext uri="{0D108BD9-81ED-4DB2-BD59-A6C34878D82A}">
+                    <a16:rowId xmlns:a16="http://schemas.microsoft.com/office/drawing/2014/main" val="3811463734"/>
+                  </a:ext>
+                </a:extLst>
+              </a:tr>
+            </a:tbl>
+          </a:graphicData>
+        </a:graphic>
+      </p:graphicFrame>
+      <p:graphicFrame>
+        <p:nvGraphicFramePr>
+          <p:cNvPr id="7" name="Таблица 5">
+            <a:extLst>
+              <a:ext uri="{FF2B5EF4-FFF2-40B4-BE49-F238E27FC236}">
+                <a16:creationId xmlns:a16="http://schemas.microsoft.com/office/drawing/2014/main" id="{D2608A40-5B20-4621-9449-15FA1041B91A}"/>
+              </a:ext>
+            </a:extLst>
+          </p:cNvPr>
+          <p:cNvGraphicFramePr>
+            <a:graphicFrameLocks noGrp="1"/>
+          </p:cNvGraphicFramePr>
+          <p:nvPr>
+            <p:extLst>
+              <p:ext uri="{D42A27DB-BD31-4B8C-83A1-F6EECF244321}">
+                <p14:modId xmlns:p14="http://schemas.microsoft.com/office/powerpoint/2010/main" val="2692776215"/>
+              </p:ext>
+            </p:extLst>
+          </p:nvPr>
+        </p:nvGraphicFramePr>
+        <p:xfrm>
+          <a:off x="2032000" y="2535879"/>
+          <a:ext cx="8128000" cy="949960"/>
+        </p:xfrm>
+        <a:graphic>
+          <a:graphicData uri="http://schemas.openxmlformats.org/drawingml/2006/table">
+            <a:tbl>
+              <a:tblPr firstRow="1" bandRow="1">
+                <a:tableStyleId>{2D5ABB26-0587-4C30-8999-92F81FD0307C}</a:tableStyleId>
+              </a:tblPr>
+              <a:tblGrid>
+                <a:gridCol w="1830317">
+                  <a:extLst>
+                    <a:ext uri="{9D8B030D-6E8A-4147-A177-3AD203B41FA5}">
+                      <a16:colId xmlns:a16="http://schemas.microsoft.com/office/drawing/2014/main" val="273538421"/>
+                    </a:ext>
+                  </a:extLst>
+                </a:gridCol>
+                <a:gridCol w="6297683">
+                  <a:extLst>
+                    <a:ext uri="{9D8B030D-6E8A-4147-A177-3AD203B41FA5}">
+                      <a16:colId xmlns:a16="http://schemas.microsoft.com/office/drawing/2014/main" val="3761503747"/>
+                    </a:ext>
+                  </a:extLst>
+                </a:gridCol>
+              </a:tblGrid>
+              <a:tr h="370840">
+                <a:tc>
+                  <a:txBody>
+                    <a:bodyPr/>
+                    <a:lstStyle/>
+                    <a:p>
+                      <a:r>
+                        <a:rPr lang="uz-Cyrl-UZ" dirty="0"/>
+                        <a:t>Тип анализа</a:t>
+                      </a:r>
+                      <a:endParaRPr lang="ru-RU" dirty="0"/>
+                    </a:p>
+                  </a:txBody>
+                  <a:tcPr>
+                    <a:lnR w="12700" cap="flat" cmpd="sng" algn="ctr">
+                      <a:solidFill>
+                        <a:schemeClr val="tx1"/>
+                      </a:solidFill>
+                      <a:prstDash val="solid"/>
+                      <a:round/>
+                      <a:headEnd type="none" w="med" len="med"/>
+                      <a:tailEnd type="none" w="med" len="med"/>
+                    </a:lnR>
+                  </a:tcPr>
+                </a:tc>
+                <a:tc>
+                  <a:txBody>
+                    <a:bodyPr/>
+                    <a:lstStyle/>
+                    <a:p>
+                      <a:endParaRPr lang="ru-RU" dirty="0"/>
+                    </a:p>
+                  </a:txBody>
+                  <a:tcPr>
+                    <a:lnL w="12700" cap="flat" cmpd="sng" algn="ctr">
+                      <a:solidFill>
+                        <a:schemeClr val="tx1"/>
+                      </a:solidFill>
+                      <a:prstDash val="solid"/>
+                      <a:round/>
+                      <a:headEnd type="none" w="med" len="med"/>
+                      <a:tailEnd type="none" w="med" len="med"/>
+                    </a:lnL>
+                    <a:lnR w="12700" cap="flat" cmpd="sng" algn="ctr">
+                      <a:solidFill>
+                        <a:schemeClr val="tx1"/>
+                      </a:solidFill>
+                      <a:prstDash val="solid"/>
+                      <a:round/>
+                      <a:headEnd type="none" w="med" len="med"/>
+                      <a:tailEnd type="none" w="med" len="med"/>
+                    </a:lnR>
+                    <a:lnT w="12700" cap="flat" cmpd="sng" algn="ctr">
+                      <a:solidFill>
+                        <a:schemeClr val="tx1"/>
+                      </a:solidFill>
+                      <a:prstDash val="solid"/>
+                      <a:round/>
+                      <a:headEnd type="none" w="med" len="med"/>
+                      <a:tailEnd type="none" w="med" len="med"/>
+                    </a:lnT>
+                    <a:lnB w="12700" cap="flat" cmpd="sng" algn="ctr">
+                      <a:solidFill>
+                        <a:schemeClr val="tx1"/>
+                      </a:solidFill>
+                      <a:prstDash val="solid"/>
+                      <a:round/>
+                      <a:headEnd type="none" w="med" len="med"/>
+                      <a:tailEnd type="none" w="med" len="med"/>
+                    </a:lnB>
+                  </a:tcPr>
+                </a:tc>
+                <a:extLst>
+                  <a:ext uri="{0D108BD9-81ED-4DB2-BD59-A6C34878D82A}">
+                    <a16:rowId xmlns:a16="http://schemas.microsoft.com/office/drawing/2014/main" val="716179632"/>
+                  </a:ext>
+                </a:extLst>
+              </a:tr>
+              <a:tr h="370840">
+                <a:tc>
+                  <a:txBody>
+                    <a:bodyPr/>
+                    <a:lstStyle/>
+                    <a:p>
+                      <a:pPr marL="3862388" indent="0" algn="r"/>
+                      <a:endParaRPr lang="ru-RU" sz="1600" dirty="0"/>
+                    </a:p>
+                  </a:txBody>
+                  <a:tcPr/>
+                </a:tc>
+                <a:tc>
+                  <a:txBody>
+                    <a:bodyPr/>
+                    <a:lstStyle/>
+                    <a:p>
+                      <a:pPr marL="0" marR="0" lvl="0" indent="0" algn="r" defTabSz="914400" rtl="0" eaLnBrk="1" fontAlgn="auto" latinLnBrk="0" hangingPunct="1">
+                        <a:lnSpc>
+                          <a:spcPct val="100000"/>
+                        </a:lnSpc>
+                        <a:spcBef>
+                          <a:spcPts val="0"/>
+                        </a:spcBef>
+                        <a:spcAft>
+                          <a:spcPts val="0"/>
+                        </a:spcAft>
+                        <a:buClrTx/>
+                        <a:buSzTx/>
+                        <a:buFontTx/>
+                        <a:buNone/>
+                        <a:tabLst/>
+                        <a:defRPr/>
+                      </a:pPr>
+                      <a:r>
+                        <a:rPr lang="uz-Cyrl-UZ" sz="1600" dirty="0"/>
+                        <a:t>В этом поле выбирается тип анализа. Например, аназил крови, УЗИ или др.</a:t>
+                      </a:r>
+                      <a:endParaRPr lang="ru-RU" sz="1600" dirty="0"/>
+                    </a:p>
+                  </a:txBody>
+                  <a:tcPr>
+                    <a:lnT w="12700" cap="flat" cmpd="sng" algn="ctr">
+                      <a:solidFill>
+                        <a:schemeClr val="tx1"/>
+                      </a:solidFill>
+                      <a:prstDash val="solid"/>
+                      <a:round/>
+                      <a:headEnd type="none" w="med" len="med"/>
+                      <a:tailEnd type="none" w="med" len="med"/>
+                    </a:lnT>
+                  </a:tcPr>
+                </a:tc>
+                <a:extLst>
+                  <a:ext uri="{0D108BD9-81ED-4DB2-BD59-A6C34878D82A}">
+                    <a16:rowId xmlns:a16="http://schemas.microsoft.com/office/drawing/2014/main" val="3811463734"/>
+                  </a:ext>
+                </a:extLst>
+              </a:tr>
+            </a:tbl>
+          </a:graphicData>
+        </a:graphic>
+      </p:graphicFrame>
+      <p:graphicFrame>
+        <p:nvGraphicFramePr>
+          <p:cNvPr id="8" name="Таблица 5">
+            <a:extLst>
+              <a:ext uri="{FF2B5EF4-FFF2-40B4-BE49-F238E27FC236}">
+                <a16:creationId xmlns:a16="http://schemas.microsoft.com/office/drawing/2014/main" id="{ECD7E9DE-75A9-4621-B1E6-8D766621442E}"/>
+              </a:ext>
+            </a:extLst>
+          </p:cNvPr>
+          <p:cNvGraphicFramePr>
+            <a:graphicFrameLocks noGrp="1"/>
+          </p:cNvGraphicFramePr>
+          <p:nvPr>
+            <p:extLst>
+              <p:ext uri="{D42A27DB-BD31-4B8C-83A1-F6EECF244321}">
+                <p14:modId xmlns:p14="http://schemas.microsoft.com/office/powerpoint/2010/main" val="975881713"/>
+              </p:ext>
+            </p:extLst>
+          </p:nvPr>
+        </p:nvGraphicFramePr>
+        <p:xfrm>
+          <a:off x="2032000" y="3590517"/>
+          <a:ext cx="8128000" cy="741680"/>
+        </p:xfrm>
+        <a:graphic>
+          <a:graphicData uri="http://schemas.openxmlformats.org/drawingml/2006/table">
+            <a:tbl>
+              <a:tblPr firstRow="1" bandRow="1">
+                <a:tableStyleId>{2D5ABB26-0587-4C30-8999-92F81FD0307C}</a:tableStyleId>
+              </a:tblPr>
+              <a:tblGrid>
+                <a:gridCol w="1830317">
+                  <a:extLst>
+                    <a:ext uri="{9D8B030D-6E8A-4147-A177-3AD203B41FA5}">
+                      <a16:colId xmlns:a16="http://schemas.microsoft.com/office/drawing/2014/main" val="273538421"/>
+                    </a:ext>
+                  </a:extLst>
+                </a:gridCol>
+                <a:gridCol w="6297683">
+                  <a:extLst>
+                    <a:ext uri="{9D8B030D-6E8A-4147-A177-3AD203B41FA5}">
+                      <a16:colId xmlns:a16="http://schemas.microsoft.com/office/drawing/2014/main" val="3761503747"/>
+                    </a:ext>
+                  </a:extLst>
+                </a:gridCol>
+              </a:tblGrid>
+              <a:tr h="370840">
+                <a:tc>
+                  <a:txBody>
+                    <a:bodyPr/>
+                    <a:lstStyle/>
+                    <a:p>
+                      <a:r>
+                        <a:rPr lang="uz-Cyrl-UZ" dirty="0"/>
+                        <a:t>Рисунов</a:t>
+                      </a:r>
+                      <a:endParaRPr lang="ru-RU" dirty="0"/>
+                    </a:p>
+                  </a:txBody>
+                  <a:tcPr>
+                    <a:lnR w="12700" cap="flat" cmpd="sng" algn="ctr">
+                      <a:solidFill>
+                        <a:schemeClr val="tx1"/>
+                      </a:solidFill>
+                      <a:prstDash val="solid"/>
+                      <a:round/>
+                      <a:headEnd type="none" w="med" len="med"/>
+                      <a:tailEnd type="none" w="med" len="med"/>
+                    </a:lnR>
+                  </a:tcPr>
+                </a:tc>
+                <a:tc>
+                  <a:txBody>
+                    <a:bodyPr/>
+                    <a:lstStyle/>
+                    <a:p>
+                      <a:endParaRPr lang="ru-RU" dirty="0"/>
+                    </a:p>
+                  </a:txBody>
+                  <a:tcPr>
+                    <a:lnL w="12700" cap="flat" cmpd="sng" algn="ctr">
+                      <a:solidFill>
+                        <a:schemeClr val="tx1"/>
+                      </a:solidFill>
+                      <a:prstDash val="solid"/>
+                      <a:round/>
+                      <a:headEnd type="none" w="med" len="med"/>
+                      <a:tailEnd type="none" w="med" len="med"/>
+                    </a:lnL>
+                    <a:lnR w="12700" cap="flat" cmpd="sng" algn="ctr">
+                      <a:solidFill>
+                        <a:schemeClr val="tx1"/>
+                      </a:solidFill>
+                      <a:prstDash val="solid"/>
+                      <a:round/>
+                      <a:headEnd type="none" w="med" len="med"/>
+                      <a:tailEnd type="none" w="med" len="med"/>
+                    </a:lnR>
+                    <a:lnT w="12700" cap="flat" cmpd="sng" algn="ctr">
+                      <a:solidFill>
+                        <a:schemeClr val="tx1"/>
+                      </a:solidFill>
+                      <a:prstDash val="solid"/>
+                      <a:round/>
+                      <a:headEnd type="none" w="med" len="med"/>
+                      <a:tailEnd type="none" w="med" len="med"/>
+                    </a:lnT>
+                    <a:lnB w="12700" cap="flat" cmpd="sng" algn="ctr">
+                      <a:solidFill>
+                        <a:schemeClr val="tx1"/>
+                      </a:solidFill>
+                      <a:prstDash val="solid"/>
+                      <a:round/>
+                      <a:headEnd type="none" w="med" len="med"/>
+                      <a:tailEnd type="none" w="med" len="med"/>
+                    </a:lnB>
+                  </a:tcPr>
+                </a:tc>
+                <a:extLst>
+                  <a:ext uri="{0D108BD9-81ED-4DB2-BD59-A6C34878D82A}">
+                    <a16:rowId xmlns:a16="http://schemas.microsoft.com/office/drawing/2014/main" val="716179632"/>
+                  </a:ext>
+                </a:extLst>
+              </a:tr>
+              <a:tr h="370840">
+                <a:tc>
+                  <a:txBody>
+                    <a:bodyPr/>
+                    <a:lstStyle/>
+                    <a:p>
+                      <a:pPr marL="3862388" indent="0" algn="r"/>
+                      <a:endParaRPr lang="ru-RU" sz="1600" dirty="0"/>
+                    </a:p>
+                  </a:txBody>
+                  <a:tcPr/>
+                </a:tc>
+                <a:tc>
+                  <a:txBody>
+                    <a:bodyPr/>
+                    <a:lstStyle/>
+                    <a:p>
+                      <a:pPr marL="0" marR="0" lvl="0" indent="0" algn="r" defTabSz="914400" rtl="0" eaLnBrk="1" fontAlgn="auto" latinLnBrk="0" hangingPunct="1">
+                        <a:lnSpc>
+                          <a:spcPct val="100000"/>
+                        </a:lnSpc>
+                        <a:spcBef>
+                          <a:spcPts val="0"/>
+                        </a:spcBef>
+                        <a:spcAft>
+                          <a:spcPts val="0"/>
+                        </a:spcAft>
+                        <a:buClrTx/>
+                        <a:buSzTx/>
+                        <a:buFontTx/>
+                        <a:buNone/>
+                        <a:tabLst/>
+                        <a:defRPr/>
+                      </a:pPr>
+                      <a:r>
+                        <a:rPr lang="uz-Cyrl-UZ" sz="1600" dirty="0"/>
+                        <a:t>Выбирается файл рисунка</a:t>
+                      </a:r>
+                      <a:endParaRPr lang="ru-RU" sz="1600" dirty="0"/>
+                    </a:p>
+                  </a:txBody>
+                  <a:tcPr>
+                    <a:lnT w="12700" cap="flat" cmpd="sng" algn="ctr">
+                      <a:solidFill>
+                        <a:schemeClr val="tx1"/>
+                      </a:solidFill>
+                      <a:prstDash val="solid"/>
+                      <a:round/>
+                      <a:headEnd type="none" w="med" len="med"/>
+                      <a:tailEnd type="none" w="med" len="med"/>
+                    </a:lnT>
+                  </a:tcPr>
+                </a:tc>
+                <a:extLst>
+                  <a:ext uri="{0D108BD9-81ED-4DB2-BD59-A6C34878D82A}">
+                    <a16:rowId xmlns:a16="http://schemas.microsoft.com/office/drawing/2014/main" val="3811463734"/>
+                  </a:ext>
+                </a:extLst>
+              </a:tr>
+            </a:tbl>
+          </a:graphicData>
+        </a:graphic>
+      </p:graphicFrame>
+      <p:graphicFrame>
+        <p:nvGraphicFramePr>
+          <p:cNvPr id="9" name="Таблица 5">
+            <a:extLst>
+              <a:ext uri="{FF2B5EF4-FFF2-40B4-BE49-F238E27FC236}">
+                <a16:creationId xmlns:a16="http://schemas.microsoft.com/office/drawing/2014/main" id="{4A891511-50E5-4918-9A83-B28BB3726027}"/>
+              </a:ext>
+            </a:extLst>
+          </p:cNvPr>
+          <p:cNvGraphicFramePr>
+            <a:graphicFrameLocks noGrp="1"/>
+          </p:cNvGraphicFramePr>
+          <p:nvPr>
+            <p:extLst>
+              <p:ext uri="{D42A27DB-BD31-4B8C-83A1-F6EECF244321}">
+                <p14:modId xmlns:p14="http://schemas.microsoft.com/office/powerpoint/2010/main" val="251183735"/>
+              </p:ext>
+            </p:extLst>
+          </p:nvPr>
+        </p:nvGraphicFramePr>
+        <p:xfrm>
+          <a:off x="2054746" y="4643988"/>
+          <a:ext cx="8128000" cy="741680"/>
+        </p:xfrm>
+        <a:graphic>
+          <a:graphicData uri="http://schemas.openxmlformats.org/drawingml/2006/table">
+            <a:tbl>
+              <a:tblPr firstRow="1" bandRow="1">
+                <a:tableStyleId>{2D5ABB26-0587-4C30-8999-92F81FD0307C}</a:tableStyleId>
+              </a:tblPr>
+              <a:tblGrid>
+                <a:gridCol w="1830317">
+                  <a:extLst>
+                    <a:ext uri="{9D8B030D-6E8A-4147-A177-3AD203B41FA5}">
+                      <a16:colId xmlns:a16="http://schemas.microsoft.com/office/drawing/2014/main" val="273538421"/>
+                    </a:ext>
+                  </a:extLst>
+                </a:gridCol>
+                <a:gridCol w="6297683">
+                  <a:extLst>
+                    <a:ext uri="{9D8B030D-6E8A-4147-A177-3AD203B41FA5}">
+                      <a16:colId xmlns:a16="http://schemas.microsoft.com/office/drawing/2014/main" val="3761503747"/>
+                    </a:ext>
+                  </a:extLst>
+                </a:gridCol>
+              </a:tblGrid>
+              <a:tr h="370840">
+                <a:tc>
+                  <a:txBody>
+                    <a:bodyPr/>
+                    <a:lstStyle/>
+                    <a:p>
+                      <a:r>
+                        <a:rPr lang="uz-Cyrl-UZ" dirty="0"/>
+                        <a:t>Дата</a:t>
+                      </a:r>
+                      <a:endParaRPr lang="ru-RU" dirty="0"/>
+                    </a:p>
+                  </a:txBody>
+                  <a:tcPr>
+                    <a:lnR w="12700" cap="flat" cmpd="sng" algn="ctr">
+                      <a:solidFill>
+                        <a:schemeClr val="tx1"/>
+                      </a:solidFill>
+                      <a:prstDash val="solid"/>
+                      <a:round/>
+                      <a:headEnd type="none" w="med" len="med"/>
+                      <a:tailEnd type="none" w="med" len="med"/>
+                    </a:lnR>
+                  </a:tcPr>
+                </a:tc>
+                <a:tc>
+                  <a:txBody>
+                    <a:bodyPr/>
+                    <a:lstStyle/>
+                    <a:p>
+                      <a:endParaRPr lang="ru-RU" dirty="0"/>
+                    </a:p>
+                  </a:txBody>
+                  <a:tcPr>
+                    <a:lnL w="12700" cap="flat" cmpd="sng" algn="ctr">
+                      <a:solidFill>
+                        <a:schemeClr val="tx1"/>
+                      </a:solidFill>
+                      <a:prstDash val="solid"/>
+                      <a:round/>
+                      <a:headEnd type="none" w="med" len="med"/>
+                      <a:tailEnd type="none" w="med" len="med"/>
+                    </a:lnL>
+                    <a:lnR w="12700" cap="flat" cmpd="sng" algn="ctr">
+                      <a:solidFill>
+                        <a:schemeClr val="tx1"/>
+                      </a:solidFill>
+                      <a:prstDash val="solid"/>
+                      <a:round/>
+                      <a:headEnd type="none" w="med" len="med"/>
+                      <a:tailEnd type="none" w="med" len="med"/>
+                    </a:lnR>
+                    <a:lnT w="12700" cap="flat" cmpd="sng" algn="ctr">
+                      <a:solidFill>
+                        <a:schemeClr val="tx1"/>
+                      </a:solidFill>
+                      <a:prstDash val="solid"/>
+                      <a:round/>
+                      <a:headEnd type="none" w="med" len="med"/>
+                      <a:tailEnd type="none" w="med" len="med"/>
+                    </a:lnT>
+                    <a:lnB w="12700" cap="flat" cmpd="sng" algn="ctr">
+                      <a:solidFill>
+                        <a:schemeClr val="tx1"/>
+                      </a:solidFill>
+                      <a:prstDash val="solid"/>
+                      <a:round/>
+                      <a:headEnd type="none" w="med" len="med"/>
+                      <a:tailEnd type="none" w="med" len="med"/>
+                    </a:lnB>
+                  </a:tcPr>
+                </a:tc>
+                <a:extLst>
+                  <a:ext uri="{0D108BD9-81ED-4DB2-BD59-A6C34878D82A}">
+                    <a16:rowId xmlns:a16="http://schemas.microsoft.com/office/drawing/2014/main" val="716179632"/>
+                  </a:ext>
+                </a:extLst>
+              </a:tr>
+              <a:tr h="370840">
+                <a:tc>
+                  <a:txBody>
+                    <a:bodyPr/>
+                    <a:lstStyle/>
+                    <a:p>
+                      <a:pPr marL="3862388" indent="0" algn="r"/>
+                      <a:endParaRPr lang="ru-RU" sz="1600" dirty="0"/>
+                    </a:p>
+                  </a:txBody>
+                  <a:tcPr/>
+                </a:tc>
+                <a:tc>
+                  <a:txBody>
+                    <a:bodyPr/>
+                    <a:lstStyle/>
+                    <a:p>
+                      <a:pPr marL="0" marR="0" lvl="0" indent="0" algn="r" defTabSz="914400" rtl="0" eaLnBrk="1" fontAlgn="auto" latinLnBrk="0" hangingPunct="1">
+                        <a:lnSpc>
+                          <a:spcPct val="100000"/>
+                        </a:lnSpc>
+                        <a:spcBef>
+                          <a:spcPts val="0"/>
+                        </a:spcBef>
+                        <a:spcAft>
+                          <a:spcPts val="0"/>
+                        </a:spcAft>
+                        <a:buClrTx/>
+                        <a:buSzTx/>
+                        <a:buFontTx/>
+                        <a:buNone/>
+                        <a:tabLst/>
+                        <a:defRPr/>
+                      </a:pPr>
+                      <a:r>
+                        <a:rPr lang="uz-Cyrl-UZ" sz="1600" dirty="0"/>
+                        <a:t>Дата анализа</a:t>
+                      </a:r>
+                      <a:endParaRPr lang="ru-RU" sz="1600" dirty="0"/>
+                    </a:p>
+                  </a:txBody>
+                  <a:tcPr>
+                    <a:lnT w="12700" cap="flat" cmpd="sng" algn="ctr">
+                      <a:solidFill>
+                        <a:schemeClr val="tx1"/>
+                      </a:solidFill>
+                      <a:prstDash val="solid"/>
+                      <a:round/>
+                      <a:headEnd type="none" w="med" len="med"/>
+                      <a:tailEnd type="none" w="med" len="med"/>
+                    </a:lnT>
+                  </a:tcPr>
+                </a:tc>
+                <a:extLst>
+                  <a:ext uri="{0D108BD9-81ED-4DB2-BD59-A6C34878D82A}">
+                    <a16:rowId xmlns:a16="http://schemas.microsoft.com/office/drawing/2014/main" val="3811463734"/>
+                  </a:ext>
+                </a:extLst>
+              </a:tr>
+            </a:tbl>
+          </a:graphicData>
+        </a:graphic>
+      </p:graphicFrame>
+    </p:spTree>
+    <p:extLst>
+      <p:ext uri="{BB962C8B-B14F-4D97-AF65-F5344CB8AC3E}">
+        <p14:creationId xmlns:p14="http://schemas.microsoft.com/office/powerpoint/2010/main" val="2357113918"/>
+      </p:ext>
+    </p:extLst>
+  </p:cSld>
+  <p:clrMapOvr>
+    <a:masterClrMapping/>
+  </p:clrMapOvr>
+</p:sld>
+</file>
+
+<file path=ppt/slides/slide8.xml><?xml version="1.0" encoding="utf-8"?>
+<p:sld xmlns:a="http://schemas.openxmlformats.org/drawingml/2006/main" xmlns:r="http://schemas.openxmlformats.org/officeDocument/2006/relationships" xmlns:p="http://schemas.openxmlformats.org/presentationml/2006/main">
+  <p:cSld>
+    <p:spTree>
+      <p:nvGrpSpPr>
+        <p:cNvPr id="1" name=""/>
+        <p:cNvGrpSpPr/>
+        <p:nvPr/>
+      </p:nvGrpSpPr>
+      <p:grpSpPr>
+        <a:xfrm>
+          <a:off x="0" y="0"/>
+          <a:ext cx="0" cy="0"/>
+          <a:chOff x="0" y="0"/>
+          <a:chExt cx="0" cy="0"/>
+        </a:xfrm>
+      </p:grpSpPr>
+      <p:sp>
+        <p:nvSpPr>
+          <p:cNvPr id="2" name="Заголовок 1">
+            <a:extLst>
+              <a:ext uri="{FF2B5EF4-FFF2-40B4-BE49-F238E27FC236}">
+                <a16:creationId xmlns:a16="http://schemas.microsoft.com/office/drawing/2014/main" id="{8AD9A483-D05F-4D84-879D-F31D2CB2F666}"/>
+              </a:ext>
+            </a:extLst>
+          </p:cNvPr>
+          <p:cNvSpPr>
+            <a:spLocks noGrp="1"/>
+          </p:cNvSpPr>
+          <p:nvPr>
+            <p:ph type="title"/>
+          </p:nvPr>
+        </p:nvSpPr>
+        <p:spPr>
+          <a:xfrm>
+            <a:off x="838200" y="119465"/>
+            <a:ext cx="10515600" cy="562923"/>
+          </a:xfrm>
+        </p:spPr>
+        <p:txBody>
+          <a:bodyPr>
+            <a:normAutofit fontScale="90000"/>
+          </a:bodyPr>
+          <a:lstStyle/>
+          <a:p>
+            <a:pPr algn="ctr"/>
+            <a:r>
+              <a:rPr lang="uz-Cyrl-UZ" dirty="0"/>
+              <a:t>Список анализов</a:t>
+            </a:r>
+            <a:endParaRPr lang="ru-RU" dirty="0"/>
+          </a:p>
+        </p:txBody>
+      </p:sp>
+      <p:pic>
+        <p:nvPicPr>
+          <p:cNvPr id="3" name="Рисунок 2">
+            <a:extLst>
+              <a:ext uri="{FF2B5EF4-FFF2-40B4-BE49-F238E27FC236}">
+                <a16:creationId xmlns:a16="http://schemas.microsoft.com/office/drawing/2014/main" id="{E6AE69E6-45B5-4CAC-9A71-687A67315F42}"/>
+              </a:ext>
+            </a:extLst>
+          </p:cNvPr>
+          <p:cNvPicPr>
+            <a:picLocks noChangeAspect="1"/>
+          </p:cNvPicPr>
+          <p:nvPr/>
+        </p:nvPicPr>
+        <p:blipFill>
+          <a:blip r:embed="rId2"/>
+          <a:stretch>
+            <a:fillRect/>
+          </a:stretch>
+        </p:blipFill>
+        <p:spPr>
+          <a:xfrm>
+            <a:off x="1708173" y="1107032"/>
+            <a:ext cx="9880075" cy="5402950"/>
+          </a:xfrm>
+          <a:prstGeom prst="rect">
+            <a:avLst/>
+          </a:prstGeom>
+        </p:spPr>
+      </p:pic>
+      <p:sp>
+        <p:nvSpPr>
+          <p:cNvPr id="5" name="Выноска: линия 4">
+            <a:extLst>
+              <a:ext uri="{FF2B5EF4-FFF2-40B4-BE49-F238E27FC236}">
+                <a16:creationId xmlns:a16="http://schemas.microsoft.com/office/drawing/2014/main" id="{B8B6B42D-DB9A-4D25-A554-FB520B42188F}"/>
+              </a:ext>
+            </a:extLst>
+          </p:cNvPr>
+          <p:cNvSpPr/>
+          <p:nvPr/>
+        </p:nvSpPr>
+        <p:spPr>
+          <a:xfrm>
+            <a:off x="109182" y="2606722"/>
+            <a:ext cx="1460311" cy="2101755"/>
+          </a:xfrm>
+          <a:prstGeom prst="borderCallout1">
+            <a:avLst>
+              <a:gd name="adj1" fmla="val 36574"/>
+              <a:gd name="adj2" fmla="val 108210"/>
+              <a:gd name="adj3" fmla="val -3354"/>
+              <a:gd name="adj4" fmla="val 209971"/>
+            </a:avLst>
+          </a:prstGeom>
+        </p:spPr>
+        <p:style>
+          <a:lnRef idx="2">
+            <a:schemeClr val="accent1">
+              <a:shade val="50000"/>
+            </a:schemeClr>
+          </a:lnRef>
+          <a:fillRef idx="1">
+            <a:schemeClr val="accent1"/>
+          </a:fillRef>
+          <a:effectRef idx="0">
+            <a:schemeClr val="accent1"/>
+          </a:effectRef>
+          <a:fontRef idx="minor">
+            <a:schemeClr val="lt1"/>
+          </a:fontRef>
+        </p:style>
+        <p:txBody>
+          <a:bodyPr rtlCol="0" anchor="ctr"/>
+          <a:lstStyle/>
+          <a:p>
+            <a:pPr algn="ctr"/>
+            <a:r>
+              <a:rPr lang="uz-Cyrl-UZ" dirty="0"/>
+              <a:t>По ссылке открывается подробная информация</a:t>
+            </a:r>
+            <a:endParaRPr lang="ru-RU" dirty="0"/>
+          </a:p>
+        </p:txBody>
+      </p:sp>
+    </p:spTree>
+    <p:extLst>
+      <p:ext uri="{BB962C8B-B14F-4D97-AF65-F5344CB8AC3E}">
+        <p14:creationId xmlns:p14="http://schemas.microsoft.com/office/powerpoint/2010/main" val="843220251"/>
+      </p:ext>
+    </p:extLst>
+  </p:cSld>
+  <p:clrMapOvr>
+    <a:masterClrMapping/>
+  </p:clrMapOvr>
+</p:sld>
+</file>
+
+<file path=ppt/slides/slide9.xml><?xml version="1.0" encoding="utf-8"?>
+<p:sld xmlns:a="http://schemas.openxmlformats.org/drawingml/2006/main" xmlns:r="http://schemas.openxmlformats.org/officeDocument/2006/relationships" xmlns:p="http://schemas.openxmlformats.org/presentationml/2006/main">
+  <p:cSld>
+    <p:spTree>
+      <p:nvGrpSpPr>
+        <p:cNvPr id="1" name=""/>
+        <p:cNvGrpSpPr/>
+        <p:nvPr/>
+      </p:nvGrpSpPr>
+      <p:grpSpPr>
+        <a:xfrm>
+          <a:off x="0" y="0"/>
+          <a:ext cx="0" cy="0"/>
+          <a:chOff x="0" y="0"/>
+          <a:chExt cx="0" cy="0"/>
+        </a:xfrm>
+      </p:grpSpPr>
+      <p:sp>
+        <p:nvSpPr>
+          <p:cNvPr id="2" name="Заголовок 1">
+            <a:extLst>
+              <a:ext uri="{FF2B5EF4-FFF2-40B4-BE49-F238E27FC236}">
+                <a16:creationId xmlns:a16="http://schemas.microsoft.com/office/drawing/2014/main" id="{042660C3-019C-4088-9D4A-88559360F968}"/>
+              </a:ext>
+            </a:extLst>
+          </p:cNvPr>
+          <p:cNvSpPr>
+            <a:spLocks noGrp="1"/>
+          </p:cNvSpPr>
+          <p:nvPr>
+            <p:ph type="title"/>
+          </p:nvPr>
+        </p:nvSpPr>
+        <p:spPr>
+          <a:xfrm>
+            <a:off x="838200" y="160410"/>
+            <a:ext cx="10515600" cy="494684"/>
+          </a:xfrm>
+        </p:spPr>
+        <p:txBody>
+          <a:bodyPr>
+            <a:normAutofit fontScale="90000"/>
+          </a:bodyPr>
+          <a:lstStyle/>
+          <a:p>
+            <a:pPr algn="ctr"/>
+            <a:r>
+              <a:rPr lang="uz-Cyrl-UZ" dirty="0"/>
+              <a:t>Подробная информация анализа </a:t>
+            </a:r>
+            <a:endParaRPr lang="ru-RU" dirty="0"/>
+          </a:p>
+        </p:txBody>
+      </p:sp>
+      <p:sp>
+        <p:nvSpPr>
+          <p:cNvPr id="5" name="Прямоугольник: скругленные углы 4">
+            <a:extLst>
+              <a:ext uri="{FF2B5EF4-FFF2-40B4-BE49-F238E27FC236}">
+                <a16:creationId xmlns:a16="http://schemas.microsoft.com/office/drawing/2014/main" id="{9E81AEA4-45B9-405D-BEA0-4823304D6C70}"/>
+              </a:ext>
+            </a:extLst>
+          </p:cNvPr>
+          <p:cNvSpPr/>
+          <p:nvPr/>
+        </p:nvSpPr>
+        <p:spPr>
+          <a:xfrm>
+            <a:off x="420297" y="6048410"/>
+            <a:ext cx="11351405" cy="709683"/>
+          </a:xfrm>
+          <a:prstGeom prst="roundRect">
+            <a:avLst/>
+          </a:prstGeom>
+        </p:spPr>
+        <p:style>
+          <a:lnRef idx="2">
+            <a:schemeClr val="accent1">
+              <a:shade val="50000"/>
+            </a:schemeClr>
+          </a:lnRef>
+          <a:fillRef idx="1">
+            <a:schemeClr val="accent1"/>
+          </a:fillRef>
+          <a:effectRef idx="0">
+            <a:schemeClr val="accent1"/>
+          </a:effectRef>
+          <a:fontRef idx="minor">
+            <a:schemeClr val="lt1"/>
+          </a:fontRef>
+        </p:style>
+        <p:txBody>
+          <a:bodyPr rtlCol="0" anchor="ctr"/>
+          <a:lstStyle/>
+          <a:p>
+            <a:pPr algn="ctr"/>
+            <a:r>
+              <a:rPr lang="uz-Cyrl-UZ" dirty="0"/>
+              <a:t>Доктор мижоз анализларини кўриб, лозим топса кўрсатма ва тавсияларини бериб кетади. Ушбу жойга тавсия бериш тугмаси қўйилади.</a:t>
+            </a:r>
+            <a:endParaRPr lang="ru-RU" dirty="0"/>
+          </a:p>
+        </p:txBody>
+      </p:sp>
+      <p:pic>
+        <p:nvPicPr>
+          <p:cNvPr id="3" name="Рисунок 2">
+            <a:extLst>
+              <a:ext uri="{FF2B5EF4-FFF2-40B4-BE49-F238E27FC236}">
+                <a16:creationId xmlns:a16="http://schemas.microsoft.com/office/drawing/2014/main" id="{3735712E-57F2-458F-9F44-B906821B63CA}"/>
+              </a:ext>
+            </a:extLst>
+          </p:cNvPr>
+          <p:cNvPicPr>
+            <a:picLocks noChangeAspect="1"/>
+          </p:cNvPicPr>
+          <p:nvPr/>
+        </p:nvPicPr>
+        <p:blipFill>
+          <a:blip r:embed="rId2"/>
+          <a:stretch>
+            <a:fillRect/>
+          </a:stretch>
+        </p:blipFill>
+        <p:spPr>
+          <a:xfrm>
+            <a:off x="997168" y="737521"/>
+            <a:ext cx="10197661" cy="5228462"/>
+          </a:xfrm>
+          <a:prstGeom prst="rect">
+            <a:avLst/>
+          </a:prstGeom>
+        </p:spPr>
+      </p:pic>
+    </p:spTree>
+    <p:extLst>
+      <p:ext uri="{BB962C8B-B14F-4D97-AF65-F5344CB8AC3E}">
+        <p14:creationId xmlns:p14="http://schemas.microsoft.com/office/powerpoint/2010/main" val="47480272"/>
       </p:ext>
     </p:extLst>
   </p:cSld>

--- a/Presentation/mkarta.uz Technical requirement presentation — rus.pptx
+++ b/Presentation/mkarta.uz Technical requirement presentation — rus.pptx
@@ -7099,10 +7099,17 @@
           <a:p>
             <a:pPr algn="ctr"/>
             <a:r>
+              <a:rPr lang="ru-RU" dirty="0"/>
+              <a:t>Доктор рассмотрит анализ клиента и при необходимости даст ему инструкции и рекомендации. </a:t>
+            </a:r>
+            <a:r>
               <a:rPr lang="uz-Cyrl-UZ" dirty="0"/>
-              <a:t>Доктор мижоз анализларини кўриб, лозим топса кўрсатма ва тавсияларини бериб кетади. Ушбу жойга тавсия бериш тугмаси қўйилади.</a:t>
-            </a:r>
-            <a:endParaRPr lang="ru-RU" dirty="0"/>
+              <a:t>Здесь будет кнопка для добавления </a:t>
+            </a:r>
+            <a:r>
+              <a:rPr lang="ru-RU" dirty="0"/>
+              <a:t>рекомендации.</a:t>
+            </a:r>
           </a:p>
         </p:txBody>
       </p:sp>
